--- a/UserManual/PPUPlayer/PPU_Player_Rus.pptx
+++ b/UserManual/PPUPlayer/PPU_Player_Rus.pptx
@@ -117,6 +117,11 @@
       </a:defRPr>
     </a:lvl9pPr>
   </p:defaultTextStyle>
+  <p:extLst>
+    <p:ext uri="{EFAFB233-063F-42B5-8137-9DF3F51BA10A}">
+      <p15:sldGuideLst xmlns:p15="http://schemas.microsoft.com/office/powerpoint/2012/main"/>
+    </p:ext>
+  </p:extLst>
 </p:presentation>
 </file>
 
@@ -267,7 +272,7 @@
           <a:p>
             <a:fld id="{CF3121BB-87F9-4539-89A7-6169406F8E00}" type="datetimeFigureOut">
               <a:rPr lang="ru-RU" smtClean="0"/>
-              <a:t>31.05.2022</a:t>
+              <a:t>01.06.2022</a:t>
             </a:fld>
             <a:endParaRPr lang="ru-RU"/>
           </a:p>
@@ -465,7 +470,7 @@
           <a:p>
             <a:fld id="{CF3121BB-87F9-4539-89A7-6169406F8E00}" type="datetimeFigureOut">
               <a:rPr lang="ru-RU" smtClean="0"/>
-              <a:t>31.05.2022</a:t>
+              <a:t>01.06.2022</a:t>
             </a:fld>
             <a:endParaRPr lang="ru-RU"/>
           </a:p>
@@ -673,7 +678,7 @@
           <a:p>
             <a:fld id="{CF3121BB-87F9-4539-89A7-6169406F8E00}" type="datetimeFigureOut">
               <a:rPr lang="ru-RU" smtClean="0"/>
-              <a:t>31.05.2022</a:t>
+              <a:t>01.06.2022</a:t>
             </a:fld>
             <a:endParaRPr lang="ru-RU"/>
           </a:p>
@@ -871,7 +876,7 @@
           <a:p>
             <a:fld id="{CF3121BB-87F9-4539-89A7-6169406F8E00}" type="datetimeFigureOut">
               <a:rPr lang="ru-RU" smtClean="0"/>
-              <a:t>31.05.2022</a:t>
+              <a:t>01.06.2022</a:t>
             </a:fld>
             <a:endParaRPr lang="ru-RU"/>
           </a:p>
@@ -1146,7 +1151,7 @@
           <a:p>
             <a:fld id="{CF3121BB-87F9-4539-89A7-6169406F8E00}" type="datetimeFigureOut">
               <a:rPr lang="ru-RU" smtClean="0"/>
-              <a:t>31.05.2022</a:t>
+              <a:t>01.06.2022</a:t>
             </a:fld>
             <a:endParaRPr lang="ru-RU"/>
           </a:p>
@@ -1411,7 +1416,7 @@
           <a:p>
             <a:fld id="{CF3121BB-87F9-4539-89A7-6169406F8E00}" type="datetimeFigureOut">
               <a:rPr lang="ru-RU" smtClean="0"/>
-              <a:t>31.05.2022</a:t>
+              <a:t>01.06.2022</a:t>
             </a:fld>
             <a:endParaRPr lang="ru-RU"/>
           </a:p>
@@ -1823,7 +1828,7 @@
           <a:p>
             <a:fld id="{CF3121BB-87F9-4539-89A7-6169406F8E00}" type="datetimeFigureOut">
               <a:rPr lang="ru-RU" smtClean="0"/>
-              <a:t>31.05.2022</a:t>
+              <a:t>01.06.2022</a:t>
             </a:fld>
             <a:endParaRPr lang="ru-RU"/>
           </a:p>
@@ -1964,7 +1969,7 @@
           <a:p>
             <a:fld id="{CF3121BB-87F9-4539-89A7-6169406F8E00}" type="datetimeFigureOut">
               <a:rPr lang="ru-RU" smtClean="0"/>
-              <a:t>31.05.2022</a:t>
+              <a:t>01.06.2022</a:t>
             </a:fld>
             <a:endParaRPr lang="ru-RU"/>
           </a:p>
@@ -2077,7 +2082,7 @@
           <a:p>
             <a:fld id="{CF3121BB-87F9-4539-89A7-6169406F8E00}" type="datetimeFigureOut">
               <a:rPr lang="ru-RU" smtClean="0"/>
-              <a:t>31.05.2022</a:t>
+              <a:t>01.06.2022</a:t>
             </a:fld>
             <a:endParaRPr lang="ru-RU"/>
           </a:p>
@@ -2388,7 +2393,7 @@
           <a:p>
             <a:fld id="{CF3121BB-87F9-4539-89A7-6169406F8E00}" type="datetimeFigureOut">
               <a:rPr lang="ru-RU" smtClean="0"/>
-              <a:t>31.05.2022</a:t>
+              <a:t>01.06.2022</a:t>
             </a:fld>
             <a:endParaRPr lang="ru-RU"/>
           </a:p>
@@ -2676,7 +2681,7 @@
           <a:p>
             <a:fld id="{CF3121BB-87F9-4539-89A7-6169406F8E00}" type="datetimeFigureOut">
               <a:rPr lang="ru-RU" smtClean="0"/>
-              <a:t>31.05.2022</a:t>
+              <a:t>01.06.2022</a:t>
             </a:fld>
             <a:endParaRPr lang="ru-RU"/>
           </a:p>
@@ -2917,7 +2922,7 @@
           <a:p>
             <a:fld id="{CF3121BB-87F9-4539-89A7-6169406F8E00}" type="datetimeFigureOut">
               <a:rPr lang="ru-RU" smtClean="0"/>
-              <a:t>31.05.2022</a:t>
+              <a:t>01.06.2022</a:t>
             </a:fld>
             <a:endParaRPr lang="ru-RU"/>
           </a:p>
@@ -4420,6 +4425,14 @@
 <file path=ppt/slides/slide11.xml><?xml version="1.0" encoding="utf-8"?>
 <p:sld xmlns:a="http://schemas.openxmlformats.org/drawingml/2006/main" xmlns:r="http://schemas.openxmlformats.org/officeDocument/2006/relationships" xmlns:p="http://schemas.openxmlformats.org/presentationml/2006/main">
   <p:cSld>
+    <p:bg>
+      <p:bgPr>
+        <a:solidFill>
+          <a:schemeClr val="bg1"/>
+        </a:solidFill>
+        <a:effectLst/>
+      </p:bgPr>
+    </p:bg>
     <p:spTree>
       <p:nvGrpSpPr>
         <p:cNvPr id="1" name=""/>
@@ -4434,6 +4447,66 @@
           <a:chExt cx="0" cy="0"/>
         </a:xfrm>
       </p:grpSpPr>
+      <p:sp useBgFill="1">
+        <p:nvSpPr>
+          <p:cNvPr id="11" name="Rectangle 10">
+            <a:extLst>
+              <a:ext uri="{FF2B5EF4-FFF2-40B4-BE49-F238E27FC236}">
+                <a16:creationId xmlns:a16="http://schemas.microsoft.com/office/drawing/2014/main" id="{2B97F24A-32CE-4C1C-A50D-3016B394DCFB}"/>
+              </a:ext>
+              <a:ext uri="{C183D7F6-B498-43B3-948B-1728B52AA6E4}">
+                <adec:decorative xmlns:adec="http://schemas.microsoft.com/office/drawing/2017/decorative" val="1"/>
+              </a:ext>
+            </a:extLst>
+          </p:cNvPr>
+          <p:cNvSpPr>
+            <a:spLocks noGrp="1" noRot="1" noChangeAspect="1" noMove="1" noResize="1" noEditPoints="1" noAdjustHandles="1" noChangeArrowheads="1" noChangeShapeType="1" noTextEdit="1"/>
+          </p:cNvSpPr>
+          <p:nvPr>
+            <p:extLst>
+              <p:ext uri="{386F3935-93C4-4BCD-93E2-E3B085C9AB24}">
+                <p16:designElem xmlns:p16="http://schemas.microsoft.com/office/powerpoint/2015/main" val="1"/>
+              </p:ext>
+            </p:extLst>
+          </p:nvPr>
+        </p:nvSpPr>
+        <p:spPr>
+          <a:xfrm>
+            <a:off x="0" y="0"/>
+            <a:ext cx="12192000" cy="6858000"/>
+          </a:xfrm>
+          <a:prstGeom prst="rect">
+            <a:avLst/>
+          </a:prstGeom>
+          <a:ln>
+            <a:noFill/>
+          </a:ln>
+        </p:spPr>
+        <p:style>
+          <a:lnRef idx="2">
+            <a:schemeClr val="accent1">
+              <a:shade val="50000"/>
+            </a:schemeClr>
+          </a:lnRef>
+          <a:fillRef idx="1">
+            <a:schemeClr val="accent1"/>
+          </a:fillRef>
+          <a:effectRef idx="0">
+            <a:schemeClr val="accent1"/>
+          </a:effectRef>
+          <a:fontRef idx="minor">
+            <a:schemeClr val="lt1"/>
+          </a:fontRef>
+        </p:style>
+        <p:txBody>
+          <a:bodyPr rtlCol="0" anchor="ctr"/>
+          <a:lstStyle/>
+          <a:p>
+            <a:pPr algn="ctr"/>
+            <a:endParaRPr lang="en-US"/>
+          </a:p>
+        </p:txBody>
+      </p:sp>
       <p:sp>
         <p:nvSpPr>
           <p:cNvPr id="2" name="Заголовок 1">
@@ -4450,16 +4523,296 @@
             <p:ph type="title"/>
           </p:nvPr>
         </p:nvSpPr>
-        <p:spPr/>
-        <p:txBody>
-          <a:bodyPr/>
-          <a:lstStyle/>
-          <a:p>
-            <a:r>
-              <a:rPr lang="en-US" dirty="0"/>
+        <p:spPr>
+          <a:xfrm>
+            <a:off x="630936" y="639520"/>
+            <a:ext cx="3429000" cy="1719072"/>
+          </a:xfrm>
+        </p:spPr>
+        <p:txBody>
+          <a:bodyPr anchor="b">
+            <a:normAutofit/>
+          </a:bodyPr>
+          <a:lstStyle/>
+          <a:p>
+            <a:r>
+              <a:rPr lang="en-US" sz="5400"/>
               <a:t>PPU Color Space</a:t>
             </a:r>
-            <a:endParaRPr lang="ru-RU" dirty="0"/>
+            <a:endParaRPr lang="ru-RU" sz="5400"/>
+          </a:p>
+        </p:txBody>
+      </p:sp>
+      <p:sp>
+        <p:nvSpPr>
+          <p:cNvPr id="13" name="sketch line">
+            <a:extLst>
+              <a:ext uri="{FF2B5EF4-FFF2-40B4-BE49-F238E27FC236}">
+                <a16:creationId xmlns:a16="http://schemas.microsoft.com/office/drawing/2014/main" id="{6357EC4F-235E-4222-A36F-C7878ACE37F2}"/>
+              </a:ext>
+              <a:ext uri="{C183D7F6-B498-43B3-948B-1728B52AA6E4}">
+                <adec:decorative xmlns:adec="http://schemas.microsoft.com/office/drawing/2017/decorative" val="1"/>
+              </a:ext>
+            </a:extLst>
+          </p:cNvPr>
+          <p:cNvSpPr>
+            <a:spLocks noGrp="1" noRot="1" noChangeAspect="1" noMove="1" noResize="1" noEditPoints="1" noAdjustHandles="1" noChangeArrowheads="1" noChangeShapeType="1" noTextEdit="1"/>
+          </p:cNvSpPr>
+          <p:nvPr>
+            <p:extLst>
+              <p:ext uri="{386F3935-93C4-4BCD-93E2-E3B085C9AB24}">
+                <p16:designElem xmlns:p16="http://schemas.microsoft.com/office/powerpoint/2015/main" val="1"/>
+              </p:ext>
+            </p:extLst>
+          </p:nvPr>
+        </p:nvSpPr>
+        <p:spPr>
+          <a:xfrm>
+            <a:off x="643278" y="2573756"/>
+            <a:ext cx="3255095" cy="18288"/>
+          </a:xfrm>
+          <a:custGeom>
+            <a:avLst/>
+            <a:gdLst>
+              <a:gd name="connsiteX0" fmla="*/ 0 w 3255095"/>
+              <a:gd name="connsiteY0" fmla="*/ 0 h 18288"/>
+              <a:gd name="connsiteX1" fmla="*/ 618468 w 3255095"/>
+              <a:gd name="connsiteY1" fmla="*/ 0 h 18288"/>
+              <a:gd name="connsiteX2" fmla="*/ 1269487 w 3255095"/>
+              <a:gd name="connsiteY2" fmla="*/ 0 h 18288"/>
+              <a:gd name="connsiteX3" fmla="*/ 1953057 w 3255095"/>
+              <a:gd name="connsiteY3" fmla="*/ 0 h 18288"/>
+              <a:gd name="connsiteX4" fmla="*/ 2636627 w 3255095"/>
+              <a:gd name="connsiteY4" fmla="*/ 0 h 18288"/>
+              <a:gd name="connsiteX5" fmla="*/ 3255095 w 3255095"/>
+              <a:gd name="connsiteY5" fmla="*/ 0 h 18288"/>
+              <a:gd name="connsiteX6" fmla="*/ 3255095 w 3255095"/>
+              <a:gd name="connsiteY6" fmla="*/ 18288 h 18288"/>
+              <a:gd name="connsiteX7" fmla="*/ 2538974 w 3255095"/>
+              <a:gd name="connsiteY7" fmla="*/ 18288 h 18288"/>
+              <a:gd name="connsiteX8" fmla="*/ 1822853 w 3255095"/>
+              <a:gd name="connsiteY8" fmla="*/ 18288 h 18288"/>
+              <a:gd name="connsiteX9" fmla="*/ 1171834 w 3255095"/>
+              <a:gd name="connsiteY9" fmla="*/ 18288 h 18288"/>
+              <a:gd name="connsiteX10" fmla="*/ 0 w 3255095"/>
+              <a:gd name="connsiteY10" fmla="*/ 18288 h 18288"/>
+              <a:gd name="connsiteX11" fmla="*/ 0 w 3255095"/>
+              <a:gd name="connsiteY11" fmla="*/ 0 h 18288"/>
+            </a:gdLst>
+            <a:ahLst/>
+            <a:cxnLst>
+              <a:cxn ang="0">
+                <a:pos x="connsiteX0" y="connsiteY0"/>
+              </a:cxn>
+              <a:cxn ang="0">
+                <a:pos x="connsiteX1" y="connsiteY1"/>
+              </a:cxn>
+              <a:cxn ang="0">
+                <a:pos x="connsiteX2" y="connsiteY2"/>
+              </a:cxn>
+              <a:cxn ang="0">
+                <a:pos x="connsiteX3" y="connsiteY3"/>
+              </a:cxn>
+              <a:cxn ang="0">
+                <a:pos x="connsiteX4" y="connsiteY4"/>
+              </a:cxn>
+              <a:cxn ang="0">
+                <a:pos x="connsiteX5" y="connsiteY5"/>
+              </a:cxn>
+              <a:cxn ang="0">
+                <a:pos x="connsiteX6" y="connsiteY6"/>
+              </a:cxn>
+              <a:cxn ang="0">
+                <a:pos x="connsiteX7" y="connsiteY7"/>
+              </a:cxn>
+              <a:cxn ang="0">
+                <a:pos x="connsiteX8" y="connsiteY8"/>
+              </a:cxn>
+              <a:cxn ang="0">
+                <a:pos x="connsiteX9" y="connsiteY9"/>
+              </a:cxn>
+              <a:cxn ang="0">
+                <a:pos x="connsiteX10" y="connsiteY10"/>
+              </a:cxn>
+              <a:cxn ang="0">
+                <a:pos x="connsiteX11" y="connsiteY11"/>
+              </a:cxn>
+            </a:cxnLst>
+            <a:rect l="l" t="t" r="r" b="b"/>
+            <a:pathLst>
+              <a:path w="3255095" h="18288" fill="none" extrusionOk="0">
+                <a:moveTo>
+                  <a:pt x="0" y="0"/>
+                </a:moveTo>
+                <a:cubicBezTo>
+                  <a:pt x="240201" y="-22123"/>
+                  <a:pt x="462021" y="-19623"/>
+                  <a:pt x="618468" y="0"/>
+                </a:cubicBezTo>
+                <a:cubicBezTo>
+                  <a:pt x="774915" y="19623"/>
+                  <a:pt x="974734" y="2035"/>
+                  <a:pt x="1269487" y="0"/>
+                </a:cubicBezTo>
+                <a:cubicBezTo>
+                  <a:pt x="1564240" y="-2035"/>
+                  <a:pt x="1733579" y="10639"/>
+                  <a:pt x="1953057" y="0"/>
+                </a:cubicBezTo>
+                <a:cubicBezTo>
+                  <a:pt x="2172535" y="-10639"/>
+                  <a:pt x="2453962" y="14018"/>
+                  <a:pt x="2636627" y="0"/>
+                </a:cubicBezTo>
+                <a:cubicBezTo>
+                  <a:pt x="2819292" y="-14018"/>
+                  <a:pt x="3121375" y="5399"/>
+                  <a:pt x="3255095" y="0"/>
+                </a:cubicBezTo>
+                <a:cubicBezTo>
+                  <a:pt x="3254386" y="8157"/>
+                  <a:pt x="3254682" y="12125"/>
+                  <a:pt x="3255095" y="18288"/>
+                </a:cubicBezTo>
+                <a:cubicBezTo>
+                  <a:pt x="3088545" y="23203"/>
+                  <a:pt x="2687475" y="7419"/>
+                  <a:pt x="2538974" y="18288"/>
+                </a:cubicBezTo>
+                <a:cubicBezTo>
+                  <a:pt x="2390473" y="29157"/>
+                  <a:pt x="2137381" y="-8959"/>
+                  <a:pt x="1822853" y="18288"/>
+                </a:cubicBezTo>
+                <a:cubicBezTo>
+                  <a:pt x="1508325" y="45535"/>
+                  <a:pt x="1466437" y="20385"/>
+                  <a:pt x="1171834" y="18288"/>
+                </a:cubicBezTo>
+                <a:cubicBezTo>
+                  <a:pt x="877231" y="16191"/>
+                  <a:pt x="561097" y="37643"/>
+                  <a:pt x="0" y="18288"/>
+                </a:cubicBezTo>
+                <a:cubicBezTo>
+                  <a:pt x="-46" y="12483"/>
+                  <a:pt x="-203" y="6491"/>
+                  <a:pt x="0" y="0"/>
+                </a:cubicBezTo>
+                <a:close/>
+              </a:path>
+              <a:path w="3255095" h="18288" stroke="0" extrusionOk="0">
+                <a:moveTo>
+                  <a:pt x="0" y="0"/>
+                </a:moveTo>
+                <a:cubicBezTo>
+                  <a:pt x="291965" y="19429"/>
+                  <a:pt x="363155" y="8568"/>
+                  <a:pt x="618468" y="0"/>
+                </a:cubicBezTo>
+                <a:cubicBezTo>
+                  <a:pt x="873781" y="-8568"/>
+                  <a:pt x="904459" y="-19505"/>
+                  <a:pt x="1171834" y="0"/>
+                </a:cubicBezTo>
+                <a:cubicBezTo>
+                  <a:pt x="1439209" y="19505"/>
+                  <a:pt x="1744369" y="9790"/>
+                  <a:pt x="1887955" y="0"/>
+                </a:cubicBezTo>
+                <a:cubicBezTo>
+                  <a:pt x="2031541" y="-9790"/>
+                  <a:pt x="2346378" y="21240"/>
+                  <a:pt x="2506423" y="0"/>
+                </a:cubicBezTo>
+                <a:cubicBezTo>
+                  <a:pt x="2666468" y="-21240"/>
+                  <a:pt x="2990257" y="30414"/>
+                  <a:pt x="3255095" y="0"/>
+                </a:cubicBezTo>
+                <a:cubicBezTo>
+                  <a:pt x="3254831" y="4493"/>
+                  <a:pt x="3255479" y="9472"/>
+                  <a:pt x="3255095" y="18288"/>
+                </a:cubicBezTo>
+                <a:cubicBezTo>
+                  <a:pt x="3120743" y="16690"/>
+                  <a:pt x="2759628" y="42462"/>
+                  <a:pt x="2604076" y="18288"/>
+                </a:cubicBezTo>
+                <a:cubicBezTo>
+                  <a:pt x="2448524" y="-5886"/>
+                  <a:pt x="2184336" y="19599"/>
+                  <a:pt x="1887955" y="18288"/>
+                </a:cubicBezTo>
+                <a:cubicBezTo>
+                  <a:pt x="1591574" y="16977"/>
+                  <a:pt x="1548845" y="6870"/>
+                  <a:pt x="1334589" y="18288"/>
+                </a:cubicBezTo>
+                <a:cubicBezTo>
+                  <a:pt x="1120333" y="29706"/>
+                  <a:pt x="996014" y="9662"/>
+                  <a:pt x="683570" y="18288"/>
+                </a:cubicBezTo>
+                <a:cubicBezTo>
+                  <a:pt x="371126" y="26914"/>
+                  <a:pt x="198687" y="16167"/>
+                  <a:pt x="0" y="18288"/>
+                </a:cubicBezTo>
+                <a:cubicBezTo>
+                  <a:pt x="843" y="9577"/>
+                  <a:pt x="371" y="6900"/>
+                  <a:pt x="0" y="0"/>
+                </a:cubicBezTo>
+                <a:close/>
+              </a:path>
+            </a:pathLst>
+          </a:custGeom>
+          <a:solidFill>
+            <a:schemeClr val="accent2"/>
+          </a:solidFill>
+          <a:ln w="38100" cap="rnd">
+            <a:solidFill>
+              <a:schemeClr val="accent2"/>
+            </a:solidFill>
+            <a:round/>
+            <a:extLst>
+              <a:ext uri="{C807C97D-BFC1-408E-A445-0C87EB9F89A2}">
+                <ask:lineSketchStyleProps xmlns:ask="http://schemas.microsoft.com/office/drawing/2018/sketchyshapes" sd="1219033472">
+                  <a:prstGeom prst="rect">
+                    <a:avLst/>
+                  </a:prstGeom>
+                  <ask:type>
+                    <ask:lineSketchFreehand/>
+                  </ask:type>
+                </ask:lineSketchStyleProps>
+              </a:ext>
+            </a:extLst>
+          </a:ln>
+        </p:spPr>
+        <p:style>
+          <a:lnRef idx="2">
+            <a:schemeClr val="accent1">
+              <a:shade val="50000"/>
+            </a:schemeClr>
+          </a:lnRef>
+          <a:fillRef idx="1">
+            <a:schemeClr val="accent1"/>
+          </a:fillRef>
+          <a:effectRef idx="0">
+            <a:schemeClr val="accent1"/>
+          </a:effectRef>
+          <a:fontRef idx="minor">
+            <a:schemeClr val="lt1"/>
+          </a:fontRef>
+        </p:style>
+        <p:txBody>
+          <a:bodyPr rtlCol="0" anchor="ctr"/>
+          <a:lstStyle/>
+          <a:p>
+            <a:pPr algn="ctr"/>
+            <a:endParaRPr lang="en-US"/>
           </a:p>
         </p:txBody>
       </p:sp>
@@ -4479,38 +4832,46 @@
             <p:ph idx="1"/>
           </p:nvPr>
         </p:nvSpPr>
-        <p:spPr/>
-        <p:txBody>
-          <a:bodyPr/>
-          <a:lstStyle/>
-          <a:p>
-            <a:r>
-              <a:rPr lang="ru-RU" dirty="0"/>
+        <p:spPr>
+          <a:xfrm>
+            <a:off x="630936" y="2807208"/>
+            <a:ext cx="3429000" cy="3410712"/>
+          </a:xfrm>
+        </p:spPr>
+        <p:txBody>
+          <a:bodyPr anchor="t">
+            <a:normAutofit/>
+          </a:bodyPr>
+          <a:lstStyle/>
+          <a:p>
+            <a:r>
+              <a:rPr lang="ru-RU" sz="2200"/>
               <a:t>Показывает цветовое пространство («палитру») </a:t>
             </a:r>
             <a:r>
-              <a:rPr lang="en-US" dirty="0"/>
+              <a:rPr lang="en-US" sz="2200"/>
               <a:t>PPU</a:t>
             </a:r>
           </a:p>
           <a:p>
             <a:r>
-              <a:rPr lang="en-US" dirty="0"/>
-              <a:t>   Emphasis </a:t>
-            </a:r>
-            <a:r>
-              <a:rPr lang="ru-RU" dirty="0"/>
-              <a:t>пока глючит</a:t>
-            </a:r>
+              <a:rPr lang="ru-RU" sz="2200"/>
+              <a:t>Включая </a:t>
+            </a:r>
+            <a:r>
+              <a:rPr lang="en-US" sz="2200"/>
+              <a:t>Emphasis</a:t>
+            </a:r>
+            <a:endParaRPr lang="ru-RU" sz="2200"/>
           </a:p>
         </p:txBody>
       </p:sp>
       <p:pic>
         <p:nvPicPr>
-          <p:cNvPr id="5" name="Рисунок 4">
-            <a:extLst>
-              <a:ext uri="{FF2B5EF4-FFF2-40B4-BE49-F238E27FC236}">
-                <a16:creationId xmlns:a16="http://schemas.microsoft.com/office/drawing/2014/main" id="{BCC6A125-BC4B-571B-782E-6F11783AC4DD}"/>
+          <p:cNvPr id="6" name="Рисунок 5">
+            <a:extLst>
+              <a:ext uri="{FF2B5EF4-FFF2-40B4-BE49-F238E27FC236}">
+                <a16:creationId xmlns:a16="http://schemas.microsoft.com/office/drawing/2014/main" id="{991562E4-1BD5-F66D-490F-857BA7863FA4}"/>
               </a:ext>
             </a:extLst>
           </p:cNvPr>
@@ -4527,59 +4888,12 @@
         </p:blipFill>
         <p:spPr>
           <a:xfrm>
-            <a:off x="5287993" y="2866093"/>
-            <a:ext cx="6065808" cy="3445807"/>
+            <a:off x="4541651" y="1498489"/>
+            <a:ext cx="7117095" cy="3861022"/>
           </a:xfrm>
           <a:prstGeom prst="rect">
             <a:avLst/>
           </a:prstGeom>
-        </p:spPr>
-      </p:pic>
-      <p:pic>
-        <p:nvPicPr>
-          <p:cNvPr id="1026" name="Picture 2" descr="⚠️ Warning Emoji on Apple iOS 12.1">
-            <a:extLst>
-              <a:ext uri="{FF2B5EF4-FFF2-40B4-BE49-F238E27FC236}">
-                <a16:creationId xmlns:a16="http://schemas.microsoft.com/office/drawing/2014/main" id="{1E35A3F5-BDFE-80DC-202B-AB106094CF2B}"/>
-              </a:ext>
-            </a:extLst>
-          </p:cNvPr>
-          <p:cNvPicPr>
-            <a:picLocks noChangeAspect="1" noChangeArrowheads="1"/>
-          </p:cNvPicPr>
-          <p:nvPr/>
-        </p:nvPicPr>
-        <p:blipFill>
-          <a:blip r:embed="rId3">
-            <a:extLst>
-              <a:ext uri="{28A0092B-C50C-407E-A947-70E740481C1C}">
-                <a14:useLocalDpi xmlns:a14="http://schemas.microsoft.com/office/drawing/2010/main" val="0"/>
-              </a:ext>
-            </a:extLst>
-          </a:blip>
-          <a:srcRect/>
-          <a:stretch>
-            <a:fillRect/>
-          </a:stretch>
-        </p:blipFill>
-        <p:spPr bwMode="auto">
-          <a:xfrm>
-            <a:off x="1107057" y="2435043"/>
-            <a:ext cx="260712" cy="260712"/>
-          </a:xfrm>
-          <a:prstGeom prst="rect">
-            <a:avLst/>
-          </a:prstGeom>
-          <a:noFill/>
-          <a:extLst>
-            <a:ext uri="{909E8E84-426E-40DD-AFC4-6F175D3DCCD1}">
-              <a14:hiddenFill xmlns:a14="http://schemas.microsoft.com/office/drawing/2010/main">
-                <a:solidFill>
-                  <a:srgbClr val="FFFFFF"/>
-                </a:solidFill>
-              </a14:hiddenFill>
-            </a:ext>
-          </a:extLst>
         </p:spPr>
       </p:pic>
     </p:spTree>

--- a/UserManual/PPUPlayer/PPU_Player_Rus.pptx
+++ b/UserManual/PPUPlayer/PPU_Player_Rus.pptx
@@ -18,7 +18,8 @@
     <p:sldId id="264" r:id="rId12"/>
     <p:sldId id="265" r:id="rId13"/>
     <p:sldId id="266" r:id="rId14"/>
-    <p:sldId id="267" r:id="rId15"/>
+    <p:sldId id="270" r:id="rId15"/>
+    <p:sldId id="267" r:id="rId16"/>
   </p:sldIdLst>
   <p:sldSz cx="12192000" cy="6858000"/>
   <p:notesSz cx="6858000" cy="9144000"/>
@@ -5156,6 +5157,138 @@
           <p:cNvPr id="2" name="Заголовок 1">
             <a:extLst>
               <a:ext uri="{FF2B5EF4-FFF2-40B4-BE49-F238E27FC236}">
+                <a16:creationId xmlns:a16="http://schemas.microsoft.com/office/drawing/2014/main" id="{F611A4FE-8EB7-5129-30FC-12C89C2D04B4}"/>
+              </a:ext>
+            </a:extLst>
+          </p:cNvPr>
+          <p:cNvSpPr>
+            <a:spLocks noGrp="1"/>
+          </p:cNvSpPr>
+          <p:nvPr>
+            <p:ph type="title"/>
+          </p:nvPr>
+        </p:nvSpPr>
+        <p:spPr/>
+        <p:txBody>
+          <a:bodyPr/>
+          <a:lstStyle/>
+          <a:p>
+            <a:r>
+              <a:rPr lang="ru-RU" dirty="0"/>
+              <a:t>Текущий </a:t>
+            </a:r>
+            <a:r>
+              <a:rPr lang="ru-RU" dirty="0" err="1"/>
+              <a:t>сканлайн</a:t>
+            </a:r>
+            <a:endParaRPr lang="ru-RU" dirty="0"/>
+          </a:p>
+        </p:txBody>
+      </p:sp>
+      <p:pic>
+        <p:nvPicPr>
+          <p:cNvPr id="5" name="Объект 4">
+            <a:extLst>
+              <a:ext uri="{FF2B5EF4-FFF2-40B4-BE49-F238E27FC236}">
+                <a16:creationId xmlns:a16="http://schemas.microsoft.com/office/drawing/2014/main" id="{A4487D04-4F24-60A6-9C4B-9D6B625734CE}"/>
+              </a:ext>
+            </a:extLst>
+          </p:cNvPr>
+          <p:cNvPicPr>
+            <a:picLocks noGrp="1" noChangeAspect="1"/>
+          </p:cNvPicPr>
+          <p:nvPr>
+            <p:ph idx="1"/>
+          </p:nvPr>
+        </p:nvPicPr>
+        <p:blipFill>
+          <a:blip r:embed="rId2"/>
+          <a:stretch>
+            <a:fillRect/>
+          </a:stretch>
+        </p:blipFill>
+        <p:spPr>
+          <a:xfrm>
+            <a:off x="1646634" y="1825625"/>
+            <a:ext cx="8898731" cy="4351338"/>
+          </a:xfrm>
+        </p:spPr>
+      </p:pic>
+      <p:sp>
+        <p:nvSpPr>
+          <p:cNvPr id="6" name="TextBox 5">
+            <a:extLst>
+              <a:ext uri="{FF2B5EF4-FFF2-40B4-BE49-F238E27FC236}">
+                <a16:creationId xmlns:a16="http://schemas.microsoft.com/office/drawing/2014/main" id="{BA543780-D9A3-CE87-83EB-2CE7152FDE65}"/>
+              </a:ext>
+            </a:extLst>
+          </p:cNvPr>
+          <p:cNvSpPr txBox="1"/>
+          <p:nvPr/>
+        </p:nvSpPr>
+        <p:spPr>
+          <a:xfrm>
+            <a:off x="7159070" y="6177413"/>
+            <a:ext cx="3386295" cy="369332"/>
+          </a:xfrm>
+          <a:prstGeom prst="rect">
+            <a:avLst/>
+          </a:prstGeom>
+          <a:noFill/>
+        </p:spPr>
+        <p:txBody>
+          <a:bodyPr wrap="square" rtlCol="0">
+            <a:spAutoFit/>
+          </a:bodyPr>
+          <a:lstStyle/>
+          <a:p>
+            <a:r>
+              <a:rPr lang="ru-RU" dirty="0"/>
+              <a:t>(*) только для композитных </a:t>
+            </a:r>
+            <a:r>
+              <a:rPr lang="en-US" dirty="0"/>
+              <a:t>PPU</a:t>
+            </a:r>
+            <a:endParaRPr lang="ru-RU" dirty="0"/>
+          </a:p>
+        </p:txBody>
+      </p:sp>
+    </p:spTree>
+    <p:extLst>
+      <p:ext uri="{BB962C8B-B14F-4D97-AF65-F5344CB8AC3E}">
+        <p14:creationId xmlns:p14="http://schemas.microsoft.com/office/powerpoint/2010/main" val="1900923571"/>
+      </p:ext>
+    </p:extLst>
+  </p:cSld>
+  <p:clrMapOvr>
+    <a:masterClrMapping/>
+  </p:clrMapOvr>
+</p:sld>
+</file>
+
+<file path=ppt/slides/slide15.xml><?xml version="1.0" encoding="utf-8"?>
+<p:sld xmlns:a="http://schemas.openxmlformats.org/drawingml/2006/main" xmlns:r="http://schemas.openxmlformats.org/officeDocument/2006/relationships" xmlns:p="http://schemas.openxmlformats.org/presentationml/2006/main">
+  <p:cSld>
+    <p:spTree>
+      <p:nvGrpSpPr>
+        <p:cNvPr id="1" name=""/>
+        <p:cNvGrpSpPr/>
+        <p:nvPr/>
+      </p:nvGrpSpPr>
+      <p:grpSpPr>
+        <a:xfrm>
+          <a:off x="0" y="0"/>
+          <a:ext cx="0" cy="0"/>
+          <a:chOff x="0" y="0"/>
+          <a:chExt cx="0" cy="0"/>
+        </a:xfrm>
+      </p:grpSpPr>
+      <p:sp>
+        <p:nvSpPr>
+          <p:cNvPr id="2" name="Заголовок 1">
+            <a:extLst>
+              <a:ext uri="{FF2B5EF4-FFF2-40B4-BE49-F238E27FC236}">
                 <a16:creationId xmlns:a16="http://schemas.microsoft.com/office/drawing/2014/main" id="{1A19F3A2-1D92-0AE9-3908-5F3284DDF12A}"/>
               </a:ext>
             </a:extLst>

--- a/UserManual/PPUPlayer/PPU_Player_Rus.pptx
+++ b/UserManual/PPUPlayer/PPU_Player_Rus.pptx
@@ -14,12 +14,15 @@
     <p:sldId id="260" r:id="rId8"/>
     <p:sldId id="261" r:id="rId9"/>
     <p:sldId id="262" r:id="rId10"/>
-    <p:sldId id="263" r:id="rId11"/>
-    <p:sldId id="264" r:id="rId12"/>
-    <p:sldId id="265" r:id="rId13"/>
-    <p:sldId id="266" r:id="rId14"/>
-    <p:sldId id="270" r:id="rId15"/>
-    <p:sldId id="267" r:id="rId16"/>
+    <p:sldId id="272" r:id="rId11"/>
+    <p:sldId id="263" r:id="rId12"/>
+    <p:sldId id="264" r:id="rId13"/>
+    <p:sldId id="270" r:id="rId14"/>
+    <p:sldId id="265" r:id="rId15"/>
+    <p:sldId id="266" r:id="rId16"/>
+    <p:sldId id="274" r:id="rId17"/>
+    <p:sldId id="273" r:id="rId18"/>
+    <p:sldId id="267" r:id="rId19"/>
   </p:sldIdLst>
   <p:sldSz cx="12192000" cy="6858000"/>
   <p:notesSz cx="6858000" cy="9144000"/>
@@ -273,7 +276,7 @@
           <a:p>
             <a:fld id="{CF3121BB-87F9-4539-89A7-6169406F8E00}" type="datetimeFigureOut">
               <a:rPr lang="ru-RU" smtClean="0"/>
-              <a:t>01.06.2022</a:t>
+              <a:t>02.06.2022</a:t>
             </a:fld>
             <a:endParaRPr lang="ru-RU"/>
           </a:p>
@@ -471,7 +474,7 @@
           <a:p>
             <a:fld id="{CF3121BB-87F9-4539-89A7-6169406F8E00}" type="datetimeFigureOut">
               <a:rPr lang="ru-RU" smtClean="0"/>
-              <a:t>01.06.2022</a:t>
+              <a:t>02.06.2022</a:t>
             </a:fld>
             <a:endParaRPr lang="ru-RU"/>
           </a:p>
@@ -679,7 +682,7 @@
           <a:p>
             <a:fld id="{CF3121BB-87F9-4539-89A7-6169406F8E00}" type="datetimeFigureOut">
               <a:rPr lang="ru-RU" smtClean="0"/>
-              <a:t>01.06.2022</a:t>
+              <a:t>02.06.2022</a:t>
             </a:fld>
             <a:endParaRPr lang="ru-RU"/>
           </a:p>
@@ -877,7 +880,7 @@
           <a:p>
             <a:fld id="{CF3121BB-87F9-4539-89A7-6169406F8E00}" type="datetimeFigureOut">
               <a:rPr lang="ru-RU" smtClean="0"/>
-              <a:t>01.06.2022</a:t>
+              <a:t>02.06.2022</a:t>
             </a:fld>
             <a:endParaRPr lang="ru-RU"/>
           </a:p>
@@ -1152,7 +1155,7 @@
           <a:p>
             <a:fld id="{CF3121BB-87F9-4539-89A7-6169406F8E00}" type="datetimeFigureOut">
               <a:rPr lang="ru-RU" smtClean="0"/>
-              <a:t>01.06.2022</a:t>
+              <a:t>02.06.2022</a:t>
             </a:fld>
             <a:endParaRPr lang="ru-RU"/>
           </a:p>
@@ -1417,7 +1420,7 @@
           <a:p>
             <a:fld id="{CF3121BB-87F9-4539-89A7-6169406F8E00}" type="datetimeFigureOut">
               <a:rPr lang="ru-RU" smtClean="0"/>
-              <a:t>01.06.2022</a:t>
+              <a:t>02.06.2022</a:t>
             </a:fld>
             <a:endParaRPr lang="ru-RU"/>
           </a:p>
@@ -1829,7 +1832,7 @@
           <a:p>
             <a:fld id="{CF3121BB-87F9-4539-89A7-6169406F8E00}" type="datetimeFigureOut">
               <a:rPr lang="ru-RU" smtClean="0"/>
-              <a:t>01.06.2022</a:t>
+              <a:t>02.06.2022</a:t>
             </a:fld>
             <a:endParaRPr lang="ru-RU"/>
           </a:p>
@@ -1970,7 +1973,7 @@
           <a:p>
             <a:fld id="{CF3121BB-87F9-4539-89A7-6169406F8E00}" type="datetimeFigureOut">
               <a:rPr lang="ru-RU" smtClean="0"/>
-              <a:t>01.06.2022</a:t>
+              <a:t>02.06.2022</a:t>
             </a:fld>
             <a:endParaRPr lang="ru-RU"/>
           </a:p>
@@ -2083,7 +2086,7 @@
           <a:p>
             <a:fld id="{CF3121BB-87F9-4539-89A7-6169406F8E00}" type="datetimeFigureOut">
               <a:rPr lang="ru-RU" smtClean="0"/>
-              <a:t>01.06.2022</a:t>
+              <a:t>02.06.2022</a:t>
             </a:fld>
             <a:endParaRPr lang="ru-RU"/>
           </a:p>
@@ -2394,7 +2397,7 @@
           <a:p>
             <a:fld id="{CF3121BB-87F9-4539-89A7-6169406F8E00}" type="datetimeFigureOut">
               <a:rPr lang="ru-RU" smtClean="0"/>
-              <a:t>01.06.2022</a:t>
+              <a:t>02.06.2022</a:t>
             </a:fld>
             <a:endParaRPr lang="ru-RU"/>
           </a:p>
@@ -2682,7 +2685,7 @@
           <a:p>
             <a:fld id="{CF3121BB-87F9-4539-89A7-6169406F8E00}" type="datetimeFigureOut">
               <a:rPr lang="ru-RU" smtClean="0"/>
-              <a:t>01.06.2022</a:t>
+              <a:t>02.06.2022</a:t>
             </a:fld>
             <a:endParaRPr lang="ru-RU"/>
           </a:p>
@@ -2923,7 +2926,7 @@
           <a:p>
             <a:fld id="{CF3121BB-87F9-4539-89A7-6169406F8E00}" type="datetimeFigureOut">
               <a:rPr lang="ru-RU" smtClean="0"/>
-              <a:t>01.06.2022</a:t>
+              <a:t>02.06.2022</a:t>
             </a:fld>
             <a:endParaRPr lang="ru-RU"/>
           </a:p>
@@ -3927,6 +3930,109 @@
 <file path=ppt/slides/slide10.xml><?xml version="1.0" encoding="utf-8"?>
 <p:sld xmlns:a="http://schemas.openxmlformats.org/drawingml/2006/main" xmlns:r="http://schemas.openxmlformats.org/officeDocument/2006/relationships" xmlns:p="http://schemas.openxmlformats.org/presentationml/2006/main">
   <p:cSld>
+    <p:spTree>
+      <p:nvGrpSpPr>
+        <p:cNvPr id="1" name=""/>
+        <p:cNvGrpSpPr/>
+        <p:nvPr/>
+      </p:nvGrpSpPr>
+      <p:grpSpPr>
+        <a:xfrm>
+          <a:off x="0" y="0"/>
+          <a:ext cx="0" cy="0"/>
+          <a:chOff x="0" y="0"/>
+          <a:chExt cx="0" cy="0"/>
+        </a:xfrm>
+      </p:grpSpPr>
+      <p:sp>
+        <p:nvSpPr>
+          <p:cNvPr id="2" name="Заголовок 1">
+            <a:extLst>
+              <a:ext uri="{FF2B5EF4-FFF2-40B4-BE49-F238E27FC236}">
+                <a16:creationId xmlns:a16="http://schemas.microsoft.com/office/drawing/2014/main" id="{39A5F9D7-A085-3283-B40F-F434AFD984E3}"/>
+              </a:ext>
+            </a:extLst>
+          </p:cNvPr>
+          <p:cNvSpPr>
+            <a:spLocks noGrp="1"/>
+          </p:cNvSpPr>
+          <p:nvPr>
+            <p:ph type="title"/>
+          </p:nvPr>
+        </p:nvSpPr>
+        <p:spPr>
+          <a:xfrm>
+            <a:off x="838199" y="291090"/>
+            <a:ext cx="10515599" cy="932688"/>
+          </a:xfrm>
+        </p:spPr>
+        <p:txBody>
+          <a:bodyPr vert="horz" lIns="91440" tIns="45720" rIns="91440" bIns="45720" rtlCol="0" anchor="b">
+            <a:normAutofit/>
+          </a:bodyPr>
+          <a:lstStyle/>
+          <a:p>
+            <a:pPr algn="ctr"/>
+            <a:r>
+              <a:rPr lang="en-US" sz="5400" kern="1200" dirty="0">
+                <a:solidFill>
+                  <a:schemeClr val="tx1"/>
+                </a:solidFill>
+                <a:latin typeface="+mj-lt"/>
+                <a:ea typeface="+mj-ea"/>
+                <a:cs typeface="+mj-cs"/>
+              </a:rPr>
+              <a:t>RAW vs Composite</a:t>
+            </a:r>
+          </a:p>
+        </p:txBody>
+      </p:sp>
+      <p:pic>
+        <p:nvPicPr>
+          <p:cNvPr id="5" name="Рисунок 4">
+            <a:extLst>
+              <a:ext uri="{FF2B5EF4-FFF2-40B4-BE49-F238E27FC236}">
+                <a16:creationId xmlns:a16="http://schemas.microsoft.com/office/drawing/2014/main" id="{D5583E8C-BA37-E1F2-2588-8E9D0D3E2906}"/>
+              </a:ext>
+            </a:extLst>
+          </p:cNvPr>
+          <p:cNvPicPr>
+            <a:picLocks noChangeAspect="1"/>
+          </p:cNvPicPr>
+          <p:nvPr/>
+        </p:nvPicPr>
+        <p:blipFill>
+          <a:blip r:embed="rId2"/>
+          <a:stretch>
+            <a:fillRect/>
+          </a:stretch>
+        </p:blipFill>
+        <p:spPr>
+          <a:xfrm>
+            <a:off x="1876427" y="1388744"/>
+            <a:ext cx="8439145" cy="4915803"/>
+          </a:xfrm>
+          <a:prstGeom prst="rect">
+            <a:avLst/>
+          </a:prstGeom>
+        </p:spPr>
+      </p:pic>
+    </p:spTree>
+    <p:extLst>
+      <p:ext uri="{BB962C8B-B14F-4D97-AF65-F5344CB8AC3E}">
+        <p14:creationId xmlns:p14="http://schemas.microsoft.com/office/powerpoint/2010/main" val="1002861448"/>
+      </p:ext>
+    </p:extLst>
+  </p:cSld>
+  <p:clrMapOvr>
+    <a:masterClrMapping/>
+  </p:clrMapOvr>
+</p:sld>
+</file>
+
+<file path=ppt/slides/slide11.xml><?xml version="1.0" encoding="utf-8"?>
+<p:sld xmlns:a="http://schemas.openxmlformats.org/drawingml/2006/main" xmlns:r="http://schemas.openxmlformats.org/officeDocument/2006/relationships" xmlns:p="http://schemas.openxmlformats.org/presentationml/2006/main">
+  <p:cSld>
     <p:bg>
       <p:bgPr>
         <a:solidFill>
@@ -4423,7 +4529,7 @@
 </p:sld>
 </file>
 
-<file path=ppt/slides/slide11.xml><?xml version="1.0" encoding="utf-8"?>
+<file path=ppt/slides/slide12.xml><?xml version="1.0" encoding="utf-8"?>
 <p:sld xmlns:a="http://schemas.openxmlformats.org/drawingml/2006/main" xmlns:r="http://schemas.openxmlformats.org/officeDocument/2006/relationships" xmlns:p="http://schemas.openxmlformats.org/presentationml/2006/main">
   <p:cSld>
     <p:bg>
@@ -4910,7 +5016,179 @@
 </p:sld>
 </file>
 
-<file path=ppt/slides/slide12.xml><?xml version="1.0" encoding="utf-8"?>
+<file path=ppt/slides/slide13.xml><?xml version="1.0" encoding="utf-8"?>
+<p:sld xmlns:a="http://schemas.openxmlformats.org/drawingml/2006/main" xmlns:r="http://schemas.openxmlformats.org/officeDocument/2006/relationships" xmlns:p="http://schemas.openxmlformats.org/presentationml/2006/main">
+  <p:cSld>
+    <p:spTree>
+      <p:nvGrpSpPr>
+        <p:cNvPr id="1" name=""/>
+        <p:cNvGrpSpPr/>
+        <p:nvPr/>
+      </p:nvGrpSpPr>
+      <p:grpSpPr>
+        <a:xfrm>
+          <a:off x="0" y="0"/>
+          <a:ext cx="0" cy="0"/>
+          <a:chOff x="0" y="0"/>
+          <a:chExt cx="0" cy="0"/>
+        </a:xfrm>
+      </p:grpSpPr>
+      <p:sp>
+        <p:nvSpPr>
+          <p:cNvPr id="2" name="Заголовок 1">
+            <a:extLst>
+              <a:ext uri="{FF2B5EF4-FFF2-40B4-BE49-F238E27FC236}">
+                <a16:creationId xmlns:a16="http://schemas.microsoft.com/office/drawing/2014/main" id="{F611A4FE-8EB7-5129-30FC-12C89C2D04B4}"/>
+              </a:ext>
+            </a:extLst>
+          </p:cNvPr>
+          <p:cNvSpPr>
+            <a:spLocks noGrp="1"/>
+          </p:cNvSpPr>
+          <p:nvPr>
+            <p:ph type="title"/>
+          </p:nvPr>
+        </p:nvSpPr>
+        <p:spPr/>
+        <p:txBody>
+          <a:bodyPr/>
+          <a:lstStyle/>
+          <a:p>
+            <a:r>
+              <a:rPr lang="ru-RU" dirty="0"/>
+              <a:t>Текущий </a:t>
+            </a:r>
+            <a:r>
+              <a:rPr lang="ru-RU" dirty="0" err="1"/>
+              <a:t>сканлайн</a:t>
+            </a:r>
+            <a:endParaRPr lang="ru-RU" dirty="0"/>
+          </a:p>
+        </p:txBody>
+      </p:sp>
+      <p:pic>
+        <p:nvPicPr>
+          <p:cNvPr id="5" name="Объект 4">
+            <a:extLst>
+              <a:ext uri="{FF2B5EF4-FFF2-40B4-BE49-F238E27FC236}">
+                <a16:creationId xmlns:a16="http://schemas.microsoft.com/office/drawing/2014/main" id="{A4487D04-4F24-60A6-9C4B-9D6B625734CE}"/>
+              </a:ext>
+            </a:extLst>
+          </p:cNvPr>
+          <p:cNvPicPr>
+            <a:picLocks noGrp="1" noChangeAspect="1"/>
+          </p:cNvPicPr>
+          <p:nvPr>
+            <p:ph idx="1"/>
+          </p:nvPr>
+        </p:nvPicPr>
+        <p:blipFill>
+          <a:blip r:embed="rId2"/>
+          <a:stretch>
+            <a:fillRect/>
+          </a:stretch>
+        </p:blipFill>
+        <p:spPr>
+          <a:xfrm>
+            <a:off x="1646634" y="1825625"/>
+            <a:ext cx="8898731" cy="4351338"/>
+          </a:xfrm>
+        </p:spPr>
+      </p:pic>
+      <p:sp>
+        <p:nvSpPr>
+          <p:cNvPr id="6" name="TextBox 5">
+            <a:extLst>
+              <a:ext uri="{FF2B5EF4-FFF2-40B4-BE49-F238E27FC236}">
+                <a16:creationId xmlns:a16="http://schemas.microsoft.com/office/drawing/2014/main" id="{BA543780-D9A3-CE87-83EB-2CE7152FDE65}"/>
+              </a:ext>
+            </a:extLst>
+          </p:cNvPr>
+          <p:cNvSpPr txBox="1"/>
+          <p:nvPr/>
+        </p:nvSpPr>
+        <p:spPr>
+          <a:xfrm>
+            <a:off x="7159070" y="6177413"/>
+            <a:ext cx="3386295" cy="369332"/>
+          </a:xfrm>
+          <a:prstGeom prst="rect">
+            <a:avLst/>
+          </a:prstGeom>
+          <a:noFill/>
+        </p:spPr>
+        <p:txBody>
+          <a:bodyPr wrap="square" rtlCol="0">
+            <a:spAutoFit/>
+          </a:bodyPr>
+          <a:lstStyle/>
+          <a:p>
+            <a:r>
+              <a:rPr lang="ru-RU" dirty="0"/>
+              <a:t>(*) только для композитных </a:t>
+            </a:r>
+            <a:r>
+              <a:rPr lang="en-US" dirty="0"/>
+              <a:t>PPU</a:t>
+            </a:r>
+            <a:endParaRPr lang="ru-RU" dirty="0"/>
+          </a:p>
+        </p:txBody>
+      </p:sp>
+      <p:sp>
+        <p:nvSpPr>
+          <p:cNvPr id="7" name="TextBox 6">
+            <a:extLst>
+              <a:ext uri="{FF2B5EF4-FFF2-40B4-BE49-F238E27FC236}">
+                <a16:creationId xmlns:a16="http://schemas.microsoft.com/office/drawing/2014/main" id="{B617CD61-699B-B74F-0347-899F438733D5}"/>
+              </a:ext>
+            </a:extLst>
+          </p:cNvPr>
+          <p:cNvSpPr txBox="1"/>
+          <p:nvPr/>
+        </p:nvSpPr>
+        <p:spPr>
+          <a:xfrm>
+            <a:off x="1646634" y="6177413"/>
+            <a:ext cx="6094562" cy="369332"/>
+          </a:xfrm>
+          <a:prstGeom prst="rect">
+            <a:avLst/>
+          </a:prstGeom>
+          <a:noFill/>
+        </p:spPr>
+        <p:txBody>
+          <a:bodyPr wrap="square">
+            <a:spAutoFit/>
+          </a:bodyPr>
+          <a:lstStyle/>
+          <a:p>
+            <a:r>
+              <a:rPr lang="ru-RU" dirty="0"/>
+              <a:t>Делает </a:t>
+            </a:r>
+            <a:r>
+              <a:rPr lang="ru-RU" dirty="0" err="1"/>
+              <a:t>brrrrr</a:t>
+            </a:r>
+            <a:endParaRPr lang="ru-RU" dirty="0"/>
+          </a:p>
+        </p:txBody>
+      </p:sp>
+    </p:spTree>
+    <p:extLst>
+      <p:ext uri="{BB962C8B-B14F-4D97-AF65-F5344CB8AC3E}">
+        <p14:creationId xmlns:p14="http://schemas.microsoft.com/office/powerpoint/2010/main" val="1900923571"/>
+      </p:ext>
+    </p:extLst>
+  </p:cSld>
+  <p:clrMapOvr>
+    <a:masterClrMapping/>
+  </p:clrMapOvr>
+</p:sld>
+</file>
+
+<file path=ppt/slides/slide14.xml><?xml version="1.0" encoding="utf-8"?>
 <p:sld xmlns:a="http://schemas.openxmlformats.org/drawingml/2006/main" xmlns:r="http://schemas.openxmlformats.org/officeDocument/2006/relationships" xmlns:p="http://schemas.openxmlformats.org/presentationml/2006/main">
   <p:cSld>
     <p:spTree>
@@ -4997,7 +5275,7 @@
 </p:sld>
 </file>
 
-<file path=ppt/slides/slide13.xml><?xml version="1.0" encoding="utf-8"?>
+<file path=ppt/slides/slide15.xml><?xml version="1.0" encoding="utf-8"?>
 <p:sld xmlns:a="http://schemas.openxmlformats.org/drawingml/2006/main" xmlns:r="http://schemas.openxmlformats.org/officeDocument/2006/relationships" xmlns:p="http://schemas.openxmlformats.org/presentationml/2006/main">
   <p:cSld>
     <p:spTree>
@@ -5135,9 +5413,17 @@
 </p:sld>
 </file>
 
-<file path=ppt/slides/slide14.xml><?xml version="1.0" encoding="utf-8"?>
+<file path=ppt/slides/slide16.xml><?xml version="1.0" encoding="utf-8"?>
 <p:sld xmlns:a="http://schemas.openxmlformats.org/drawingml/2006/main" xmlns:r="http://schemas.openxmlformats.org/officeDocument/2006/relationships" xmlns:p="http://schemas.openxmlformats.org/presentationml/2006/main">
   <p:cSld>
+    <p:bg>
+      <p:bgPr>
+        <a:solidFill>
+          <a:schemeClr val="bg1"/>
+        </a:solidFill>
+        <a:effectLst/>
+      </p:bgPr>
+    </p:bg>
     <p:spTree>
       <p:nvGrpSpPr>
         <p:cNvPr id="1" name=""/>
@@ -5152,74 +5438,1672 @@
           <a:chExt cx="0" cy="0"/>
         </a:xfrm>
       </p:grpSpPr>
-      <p:sp>
-        <p:nvSpPr>
-          <p:cNvPr id="2" name="Заголовок 1">
-            <a:extLst>
-              <a:ext uri="{FF2B5EF4-FFF2-40B4-BE49-F238E27FC236}">
-                <a16:creationId xmlns:a16="http://schemas.microsoft.com/office/drawing/2014/main" id="{F611A4FE-8EB7-5129-30FC-12C89C2D04B4}"/>
-              </a:ext>
-            </a:extLst>
-          </p:cNvPr>
-          <p:cNvSpPr>
-            <a:spLocks noGrp="1"/>
-          </p:cNvSpPr>
-          <p:nvPr>
-            <p:ph type="title"/>
-          </p:nvPr>
-        </p:nvSpPr>
-        <p:spPr/>
-        <p:txBody>
-          <a:bodyPr/>
-          <a:lstStyle/>
-          <a:p>
-            <a:r>
-              <a:rPr lang="ru-RU" dirty="0"/>
-              <a:t>Текущий </a:t>
-            </a:r>
-            <a:r>
-              <a:rPr lang="ru-RU" dirty="0" err="1"/>
-              <a:t>сканлайн</a:t>
-            </a:r>
-            <a:endParaRPr lang="ru-RU" dirty="0"/>
+      <p:sp useBgFill="1">
+        <p:nvSpPr>
+          <p:cNvPr id="71" name="Rectangle 70">
+            <a:extLst>
+              <a:ext uri="{FF2B5EF4-FFF2-40B4-BE49-F238E27FC236}">
+                <a16:creationId xmlns:a16="http://schemas.microsoft.com/office/drawing/2014/main" id="{5A59F003-E00A-43F9-91DC-CC54E3B87466}"/>
+              </a:ext>
+              <a:ext uri="{C183D7F6-B498-43B3-948B-1728B52AA6E4}">
+                <adec:decorative xmlns:adec="http://schemas.microsoft.com/office/drawing/2017/decorative" val="1"/>
+              </a:ext>
+            </a:extLst>
+          </p:cNvPr>
+          <p:cNvSpPr>
+            <a:spLocks noGrp="1" noRot="1" noChangeAspect="1" noMove="1" noResize="1" noEditPoints="1" noAdjustHandles="1" noChangeArrowheads="1" noChangeShapeType="1" noTextEdit="1"/>
+          </p:cNvSpPr>
+          <p:nvPr>
+            <p:extLst>
+              <p:ext uri="{386F3935-93C4-4BCD-93E2-E3B085C9AB24}">
+                <p16:designElem xmlns:p16="http://schemas.microsoft.com/office/powerpoint/2015/main" val="1"/>
+              </p:ext>
+            </p:extLst>
+          </p:nvPr>
+        </p:nvSpPr>
+        <p:spPr>
+          <a:xfrm>
+            <a:off x="0" y="0"/>
+            <a:ext cx="12192000" cy="6858000"/>
+          </a:xfrm>
+          <a:prstGeom prst="rect">
+            <a:avLst/>
+          </a:prstGeom>
+          <a:ln>
+            <a:noFill/>
+          </a:ln>
+        </p:spPr>
+        <p:style>
+          <a:lnRef idx="2">
+            <a:schemeClr val="accent1">
+              <a:shade val="50000"/>
+            </a:schemeClr>
+          </a:lnRef>
+          <a:fillRef idx="1">
+            <a:schemeClr val="accent1"/>
+          </a:fillRef>
+          <a:effectRef idx="0">
+            <a:schemeClr val="accent1"/>
+          </a:effectRef>
+          <a:fontRef idx="minor">
+            <a:schemeClr val="lt1"/>
+          </a:fontRef>
+        </p:style>
+        <p:txBody>
+          <a:bodyPr rtlCol="0" anchor="ctr"/>
+          <a:lstStyle/>
+          <a:p>
+            <a:pPr algn="ctr"/>
+            <a:endParaRPr lang="en-US"/>
           </a:p>
         </p:txBody>
       </p:sp>
       <p:pic>
         <p:nvPicPr>
-          <p:cNvPr id="5" name="Объект 4">
-            <a:extLst>
-              <a:ext uri="{FF2B5EF4-FFF2-40B4-BE49-F238E27FC236}">
-                <a16:creationId xmlns:a16="http://schemas.microsoft.com/office/drawing/2014/main" id="{A4487D04-4F24-60A6-9C4B-9D6B625734CE}"/>
+          <p:cNvPr id="2050" name="Picture 2">
+            <a:extLst>
+              <a:ext uri="{FF2B5EF4-FFF2-40B4-BE49-F238E27FC236}">
+                <a16:creationId xmlns:a16="http://schemas.microsoft.com/office/drawing/2014/main" id="{5F9A0894-FFDA-FF2D-6D62-7EF24DB9949D}"/>
               </a:ext>
             </a:extLst>
           </p:cNvPr>
           <p:cNvPicPr>
-            <a:picLocks noGrp="1" noChangeAspect="1"/>
+            <a:picLocks noChangeAspect="1" noChangeArrowheads="1"/>
           </p:cNvPicPr>
-          <p:nvPr>
-            <p:ph idx="1"/>
-          </p:nvPr>
+          <p:nvPr/>
         </p:nvPicPr>
-        <p:blipFill>
-          <a:blip r:embed="rId2"/>
-          <a:stretch>
-            <a:fillRect/>
-          </a:stretch>
+        <p:blipFill rotWithShape="1">
+          <a:blip r:embed="rId2">
+            <a:extLst>
+              <a:ext uri="{28A0092B-C50C-407E-A947-70E740481C1C}">
+                <a14:useLocalDpi xmlns:a14="http://schemas.microsoft.com/office/drawing/2010/main" val="0"/>
+              </a:ext>
+            </a:extLst>
+          </a:blip>
+          <a:srcRect l="22575" t="9091" r="12375"/>
+          <a:stretch/>
         </p:blipFill>
+        <p:spPr bwMode="auto">
+          <a:xfrm>
+            <a:off x="20" y="10"/>
+            <a:ext cx="12191981" cy="6857990"/>
+          </a:xfrm>
+          <a:prstGeom prst="rect">
+            <a:avLst/>
+          </a:prstGeom>
+          <a:noFill/>
+          <a:extLst>
+            <a:ext uri="{909E8E84-426E-40DD-AFC4-6F175D3DCCD1}">
+              <a14:hiddenFill xmlns:a14="http://schemas.microsoft.com/office/drawing/2010/main">
+                <a:solidFill>
+                  <a:srgbClr val="FFFFFF"/>
+                </a:solidFill>
+              </a14:hiddenFill>
+            </a:ext>
+          </a:extLst>
+        </p:spPr>
+      </p:pic>
+      <p:sp>
+        <p:nvSpPr>
+          <p:cNvPr id="73" name="Rectangle 72">
+            <a:extLst>
+              <a:ext uri="{FF2B5EF4-FFF2-40B4-BE49-F238E27FC236}">
+                <a16:creationId xmlns:a16="http://schemas.microsoft.com/office/drawing/2014/main" id="{D74A4382-E3AD-430A-9A1F-DFA3E0E77A7D}"/>
+              </a:ext>
+              <a:ext uri="{C183D7F6-B498-43B3-948B-1728B52AA6E4}">
+                <adec:decorative xmlns:adec="http://schemas.microsoft.com/office/drawing/2017/decorative" val="1"/>
+              </a:ext>
+            </a:extLst>
+          </p:cNvPr>
+          <p:cNvSpPr>
+            <a:spLocks noGrp="1" noRot="1" noChangeAspect="1" noMove="1" noResize="1" noEditPoints="1" noAdjustHandles="1" noChangeArrowheads="1" noChangeShapeType="1" noTextEdit="1"/>
+          </p:cNvSpPr>
+          <p:nvPr>
+            <p:extLst>
+              <p:ext uri="{386F3935-93C4-4BCD-93E2-E3B085C9AB24}">
+                <p16:designElem xmlns:p16="http://schemas.microsoft.com/office/powerpoint/2015/main" val="1"/>
+              </p:ext>
+            </p:extLst>
+          </p:nvPr>
+        </p:nvSpPr>
+        <p:spPr>
+          <a:xfrm rot="16200000">
+            <a:off x="3799868" y="-1534136"/>
+            <a:ext cx="4592270" cy="12192001"/>
+          </a:xfrm>
+          <a:prstGeom prst="rect">
+            <a:avLst/>
+          </a:prstGeom>
+          <a:gradFill>
+            <a:gsLst>
+              <a:gs pos="35000">
+                <a:schemeClr val="bg1">
+                  <a:alpha val="46000"/>
+                </a:schemeClr>
+              </a:gs>
+              <a:gs pos="21000">
+                <a:schemeClr val="bg1">
+                  <a:alpha val="30000"/>
+                </a:schemeClr>
+              </a:gs>
+              <a:gs pos="0">
+                <a:schemeClr val="bg1">
+                  <a:alpha val="0"/>
+                </a:schemeClr>
+              </a:gs>
+              <a:gs pos="100000">
+                <a:schemeClr val="bg1">
+                  <a:alpha val="90000"/>
+                </a:schemeClr>
+              </a:gs>
+            </a:gsLst>
+            <a:lin ang="10800000" scaled="0"/>
+          </a:gradFill>
+          <a:ln>
+            <a:noFill/>
+          </a:ln>
+        </p:spPr>
+        <p:style>
+          <a:lnRef idx="2">
+            <a:schemeClr val="accent1">
+              <a:shade val="50000"/>
+            </a:schemeClr>
+          </a:lnRef>
+          <a:fillRef idx="1">
+            <a:schemeClr val="accent1"/>
+          </a:fillRef>
+          <a:effectRef idx="0">
+            <a:schemeClr val="accent1"/>
+          </a:effectRef>
+          <a:fontRef idx="minor">
+            <a:schemeClr val="lt1"/>
+          </a:fontRef>
+        </p:style>
+        <p:txBody>
+          <a:bodyPr rtlCol="0" anchor="ctr"/>
+          <a:lstStyle/>
+          <a:p>
+            <a:pPr algn="ctr"/>
+            <a:endParaRPr lang="en-US" dirty="0"/>
+          </a:p>
+        </p:txBody>
+      </p:sp>
+      <p:sp>
+        <p:nvSpPr>
+          <p:cNvPr id="2" name="Заголовок 1">
+            <a:extLst>
+              <a:ext uri="{FF2B5EF4-FFF2-40B4-BE49-F238E27FC236}">
+                <a16:creationId xmlns:a16="http://schemas.microsoft.com/office/drawing/2014/main" id="{93E7F761-955D-BBD4-28B5-DC2C65ADA7B0}"/>
+              </a:ext>
+            </a:extLst>
+          </p:cNvPr>
+          <p:cNvSpPr>
+            <a:spLocks noGrp="1"/>
+          </p:cNvSpPr>
+          <p:nvPr>
+            <p:ph type="title"/>
+          </p:nvPr>
+        </p:nvSpPr>
         <p:spPr>
           <a:xfrm>
-            <a:off x="1646634" y="1825625"/>
-            <a:ext cx="8898731" cy="4351338"/>
+            <a:off x="404553" y="3091928"/>
+            <a:ext cx="9078562" cy="2387600"/>
           </a:xfrm>
         </p:spPr>
+        <p:txBody>
+          <a:bodyPr vert="horz" lIns="91440" tIns="45720" rIns="91440" bIns="45720" rtlCol="0" anchor="b">
+            <a:normAutofit/>
+          </a:bodyPr>
+          <a:lstStyle/>
+          <a:p>
+            <a:r>
+              <a:rPr lang="en-US" sz="6600"/>
+              <a:t>Трассировка</a:t>
+            </a:r>
+          </a:p>
+        </p:txBody>
+      </p:sp>
+      <p:sp>
+        <p:nvSpPr>
+          <p:cNvPr id="75" name="Rectangle: Rounded Corners 74">
+            <a:extLst>
+              <a:ext uri="{FF2B5EF4-FFF2-40B4-BE49-F238E27FC236}">
+                <a16:creationId xmlns:a16="http://schemas.microsoft.com/office/drawing/2014/main" id="{79F40191-0F44-4FD1-82CC-ACB507C14BE6}"/>
+              </a:ext>
+              <a:ext uri="{C183D7F6-B498-43B3-948B-1728B52AA6E4}">
+                <adec:decorative xmlns:adec="http://schemas.microsoft.com/office/drawing/2017/decorative" val="1"/>
+              </a:ext>
+            </a:extLst>
+          </p:cNvPr>
+          <p:cNvSpPr>
+            <a:spLocks noGrp="1" noRot="1" noChangeAspect="1" noMove="1" noResize="1" noEditPoints="1" noAdjustHandles="1" noChangeArrowheads="1" noChangeShapeType="1" noTextEdit="1"/>
+          </p:cNvSpPr>
+          <p:nvPr>
+            <p:extLst>
+              <p:ext uri="{386F3935-93C4-4BCD-93E2-E3B085C9AB24}">
+                <p16:designElem xmlns:p16="http://schemas.microsoft.com/office/powerpoint/2015/main" val="1"/>
+              </p:ext>
+            </p:extLst>
+          </p:nvPr>
+        </p:nvSpPr>
+        <p:spPr>
+          <a:xfrm>
+            <a:off x="0" y="5575039"/>
+            <a:ext cx="9785897" cy="685800"/>
+          </a:xfrm>
+          <a:prstGeom prst="roundRect">
+            <a:avLst>
+              <a:gd name="adj" fmla="val 0"/>
+            </a:avLst>
+          </a:prstGeom>
+          <a:solidFill>
+            <a:schemeClr val="accent2"/>
+          </a:solidFill>
+          <a:ln>
+            <a:noFill/>
+          </a:ln>
+        </p:spPr>
+        <p:style>
+          <a:lnRef idx="2">
+            <a:schemeClr val="accent1">
+              <a:shade val="50000"/>
+            </a:schemeClr>
+          </a:lnRef>
+          <a:fillRef idx="1">
+            <a:schemeClr val="accent1"/>
+          </a:fillRef>
+          <a:effectRef idx="0">
+            <a:schemeClr val="accent1"/>
+          </a:effectRef>
+          <a:fontRef idx="minor">
+            <a:schemeClr val="lt1"/>
+          </a:fontRef>
+        </p:style>
+        <p:txBody>
+          <a:bodyPr rtlCol="0" anchor="ctr"/>
+          <a:lstStyle/>
+          <a:p>
+            <a:pPr algn="ctr"/>
+            <a:endParaRPr lang="en-US"/>
+          </a:p>
+        </p:txBody>
+      </p:sp>
+      <p:sp>
+        <p:nvSpPr>
+          <p:cNvPr id="3" name="Объект 2">
+            <a:extLst>
+              <a:ext uri="{FF2B5EF4-FFF2-40B4-BE49-F238E27FC236}">
+                <a16:creationId xmlns:a16="http://schemas.microsoft.com/office/drawing/2014/main" id="{6E3D8FBD-2E26-27F7-EE1A-A85F36AC200B}"/>
+              </a:ext>
+            </a:extLst>
+          </p:cNvPr>
+          <p:cNvSpPr>
+            <a:spLocks noGrp="1"/>
+          </p:cNvSpPr>
+          <p:nvPr>
+            <p:ph idx="1"/>
+          </p:nvPr>
+        </p:nvSpPr>
+        <p:spPr>
+          <a:xfrm>
+            <a:off x="404553" y="5624945"/>
+            <a:ext cx="9078562" cy="592975"/>
+          </a:xfrm>
+        </p:spPr>
+        <p:txBody>
+          <a:bodyPr vert="horz" lIns="91440" tIns="45720" rIns="91440" bIns="45720" rtlCol="0" anchor="ctr">
+            <a:normAutofit/>
+          </a:bodyPr>
+          <a:lstStyle/>
+          <a:p>
+            <a:pPr marL="0" indent="0">
+              <a:buNone/>
+            </a:pPr>
+            <a:r>
+              <a:rPr lang="en-US" sz="2400"/>
+              <a:t>Выгрузка трассировки в формат VCD для GTKWave</a:t>
+            </a:r>
+          </a:p>
+        </p:txBody>
+      </p:sp>
+    </p:spTree>
+    <p:extLst>
+      <p:ext uri="{BB962C8B-B14F-4D97-AF65-F5344CB8AC3E}">
+        <p14:creationId xmlns:p14="http://schemas.microsoft.com/office/powerpoint/2010/main" val="3773374499"/>
+      </p:ext>
+    </p:extLst>
+  </p:cSld>
+  <p:clrMapOvr>
+    <a:overrideClrMapping bg1="dk1" tx1="lt1" bg2="dk2" tx2="lt2" accent1="accent1" accent2="accent2" accent3="accent3" accent4="accent4" accent5="accent5" accent6="accent6" hlink="hlink" folHlink="folHlink"/>
+  </p:clrMapOvr>
+  <p:timing>
+    <p:tnLst>
+      <p:par>
+        <p:cTn id="1" dur="indefinite" restart="never" nodeType="tmRoot">
+          <p:childTnLst>
+            <p:seq concurrent="1" nextAc="seek">
+              <p:cTn id="2" dur="indefinite" nodeType="mainSeq">
+                <p:childTnLst>
+                  <p:par>
+                    <p:cTn id="3" fill="hold">
+                      <p:stCondLst>
+                        <p:cond delay="indefinite"/>
+                        <p:cond evt="onBegin" delay="0">
+                          <p:tn val="2"/>
+                        </p:cond>
+                      </p:stCondLst>
+                      <p:childTnLst>
+                        <p:par>
+                          <p:cTn id="4" fill="hold">
+                            <p:stCondLst>
+                              <p:cond delay="0"/>
+                            </p:stCondLst>
+                            <p:childTnLst>
+                              <p:par>
+                                <p:cTn id="5" presetID="10" presetClass="entr" presetSubtype="0" fill="hold" grpId="0" nodeType="withEffect">
+                                  <p:stCondLst>
+                                    <p:cond delay="1000"/>
+                                  </p:stCondLst>
+                                  <p:iterate>
+                                    <p:tmPct val="10000"/>
+                                  </p:iterate>
+                                  <p:childTnLst>
+                                    <p:set>
+                                      <p:cBhvr>
+                                        <p:cTn id="6" dur="1" fill="hold">
+                                          <p:stCondLst>
+                                            <p:cond delay="0"/>
+                                          </p:stCondLst>
+                                        </p:cTn>
+                                        <p:tgtEl>
+                                          <p:spTgt spid="2"/>
+                                        </p:tgtEl>
+                                        <p:attrNameLst>
+                                          <p:attrName>style.visibility</p:attrName>
+                                        </p:attrNameLst>
+                                      </p:cBhvr>
+                                      <p:to>
+                                        <p:strVal val="visible"/>
+                                      </p:to>
+                                    </p:set>
+                                    <p:animEffect transition="in" filter="fade">
+                                      <p:cBhvr>
+                                        <p:cTn id="7" dur="700"/>
+                                        <p:tgtEl>
+                                          <p:spTgt spid="2"/>
+                                        </p:tgtEl>
+                                      </p:cBhvr>
+                                    </p:animEffect>
+                                  </p:childTnLst>
+                                </p:cTn>
+                              </p:par>
+                            </p:childTnLst>
+                          </p:cTn>
+                        </p:par>
+                      </p:childTnLst>
+                    </p:cTn>
+                  </p:par>
+                </p:childTnLst>
+              </p:cTn>
+              <p:prevCondLst>
+                <p:cond evt="onPrev" delay="0">
+                  <p:tgtEl>
+                    <p:sldTgt/>
+                  </p:tgtEl>
+                </p:cond>
+              </p:prevCondLst>
+              <p:nextCondLst>
+                <p:cond evt="onNext" delay="0">
+                  <p:tgtEl>
+                    <p:sldTgt/>
+                  </p:tgtEl>
+                </p:cond>
+              </p:nextCondLst>
+            </p:seq>
+          </p:childTnLst>
+        </p:cTn>
+      </p:par>
+    </p:tnLst>
+    <p:bldLst>
+      <p:bldP spid="2" grpId="0"/>
+    </p:bldLst>
+  </p:timing>
+</p:sld>
+</file>
+
+<file path=ppt/slides/slide17.xml><?xml version="1.0" encoding="utf-8"?>
+<p:sld xmlns:a="http://schemas.openxmlformats.org/drawingml/2006/main" xmlns:r="http://schemas.openxmlformats.org/officeDocument/2006/relationships" xmlns:p="http://schemas.openxmlformats.org/presentationml/2006/main">
+  <p:cSld>
+    <p:bg>
+      <p:bgPr>
+        <a:solidFill>
+          <a:schemeClr val="bg1"/>
+        </a:solidFill>
+        <a:effectLst/>
+      </p:bgPr>
+    </p:bg>
+    <p:spTree>
+      <p:nvGrpSpPr>
+        <p:cNvPr id="1" name=""/>
+        <p:cNvGrpSpPr/>
+        <p:nvPr/>
+      </p:nvGrpSpPr>
+      <p:grpSpPr>
+        <a:xfrm>
+          <a:off x="0" y="0"/>
+          <a:ext cx="0" cy="0"/>
+          <a:chOff x="0" y="0"/>
+          <a:chExt cx="0" cy="0"/>
+        </a:xfrm>
+      </p:grpSpPr>
+      <p:sp useBgFill="1">
+        <p:nvSpPr>
+          <p:cNvPr id="71" name="Rectangle 70">
+            <a:extLst>
+              <a:ext uri="{FF2B5EF4-FFF2-40B4-BE49-F238E27FC236}">
+                <a16:creationId xmlns:a16="http://schemas.microsoft.com/office/drawing/2014/main" id="{4D4677D2-D5AC-4CF9-9EED-2B89D0A1C212}"/>
+              </a:ext>
+              <a:ext uri="{C183D7F6-B498-43B3-948B-1728B52AA6E4}">
+                <adec:decorative xmlns:adec="http://schemas.microsoft.com/office/drawing/2017/decorative" val="1"/>
+              </a:ext>
+            </a:extLst>
+          </p:cNvPr>
+          <p:cNvSpPr>
+            <a:spLocks noGrp="1" noRot="1" noChangeAspect="1" noMove="1" noResize="1" noEditPoints="1" noAdjustHandles="1" noChangeArrowheads="1" noChangeShapeType="1" noTextEdit="1"/>
+          </p:cNvSpPr>
+          <p:nvPr>
+            <p:extLst>
+              <p:ext uri="{386F3935-93C4-4BCD-93E2-E3B085C9AB24}">
+                <p16:designElem xmlns:p16="http://schemas.microsoft.com/office/powerpoint/2015/main" val="1"/>
+              </p:ext>
+            </p:extLst>
+          </p:nvPr>
+        </p:nvSpPr>
+        <p:spPr>
+          <a:xfrm>
+            <a:off x="0" y="0"/>
+            <a:ext cx="12192000" cy="6858000"/>
+          </a:xfrm>
+          <a:prstGeom prst="rect">
+            <a:avLst/>
+          </a:prstGeom>
+          <a:ln w="12700" cap="flat" cmpd="sng" algn="ctr">
+            <a:noFill/>
+            <a:prstDash val="solid"/>
+            <a:miter lim="800000"/>
+          </a:ln>
+          <a:effectLst/>
+          <a:extLst>
+            <a:ext uri="{91240B29-F687-4F45-9708-019B960494DF}">
+              <a14:hiddenLine xmlns:a14="http://schemas.microsoft.com/office/drawing/2010/main" w="12700" cap="flat" cmpd="sng" algn="ctr">
+                <a:solidFill>
+                  <a:schemeClr val="accent1">
+                    <a:shade val="50000"/>
+                  </a:schemeClr>
+                </a:solidFill>
+                <a:prstDash val="solid"/>
+                <a:miter lim="800000"/>
+              </a14:hiddenLine>
+            </a:ext>
+          </a:extLst>
+        </p:spPr>
+        <p:style>
+          <a:lnRef idx="2">
+            <a:schemeClr val="accent1">
+              <a:shade val="50000"/>
+            </a:schemeClr>
+          </a:lnRef>
+          <a:fillRef idx="1">
+            <a:schemeClr val="accent1"/>
+          </a:fillRef>
+          <a:effectRef idx="0">
+            <a:schemeClr val="accent1"/>
+          </a:effectRef>
+          <a:fontRef idx="minor">
+            <a:schemeClr val="lt1"/>
+          </a:fontRef>
+        </p:style>
+        <p:txBody>
+          <a:bodyPr rtlCol="0" anchor="ctr"/>
+          <a:lstStyle/>
+          <a:p>
+            <a:pPr algn="ctr"/>
+            <a:endParaRPr lang="en-US"/>
+          </a:p>
+        </p:txBody>
+      </p:sp>
+      <p:sp>
+        <p:nvSpPr>
+          <p:cNvPr id="73" name="Rectangle 72">
+            <a:extLst>
+              <a:ext uri="{FF2B5EF4-FFF2-40B4-BE49-F238E27FC236}">
+                <a16:creationId xmlns:a16="http://schemas.microsoft.com/office/drawing/2014/main" id="{AF695F69-7001-421E-98A8-E74156934A51}"/>
+              </a:ext>
+              <a:ext uri="{C183D7F6-B498-43B3-948B-1728B52AA6E4}">
+                <adec:decorative xmlns:adec="http://schemas.microsoft.com/office/drawing/2017/decorative" val="1"/>
+              </a:ext>
+            </a:extLst>
+          </p:cNvPr>
+          <p:cNvSpPr>
+            <a:spLocks noGrp="1" noRot="1" noChangeAspect="1" noMove="1" noResize="1" noEditPoints="1" noAdjustHandles="1" noChangeArrowheads="1" noChangeShapeType="1" noTextEdit="1"/>
+          </p:cNvSpPr>
+          <p:nvPr>
+            <p:extLst>
+              <p:ext uri="{386F3935-93C4-4BCD-93E2-E3B085C9AB24}">
+                <p16:designElem xmlns:p16="http://schemas.microsoft.com/office/powerpoint/2015/main" val="1"/>
+              </p:ext>
+            </p:extLst>
+          </p:nvPr>
+        </p:nvSpPr>
+        <p:spPr>
+          <a:xfrm>
+            <a:off x="0" y="0"/>
+            <a:ext cx="12192000" cy="6858000"/>
+          </a:xfrm>
+          <a:prstGeom prst="rect">
+            <a:avLst/>
+          </a:prstGeom>
+          <a:solidFill>
+            <a:srgbClr val="82766A">
+              <a:alpha val="15000"/>
+            </a:srgbClr>
+          </a:solidFill>
+          <a:ln w="12700" cap="flat" cmpd="sng" algn="ctr">
+            <a:noFill/>
+            <a:prstDash val="solid"/>
+            <a:miter lim="800000"/>
+          </a:ln>
+          <a:effectLst/>
+        </p:spPr>
+        <p:style>
+          <a:lnRef idx="2">
+            <a:schemeClr val="accent1">
+              <a:shade val="50000"/>
+            </a:schemeClr>
+          </a:lnRef>
+          <a:fillRef idx="1">
+            <a:schemeClr val="accent1"/>
+          </a:fillRef>
+          <a:effectRef idx="0">
+            <a:schemeClr val="accent1"/>
+          </a:effectRef>
+          <a:fontRef idx="minor">
+            <a:schemeClr val="lt1"/>
+          </a:fontRef>
+        </p:style>
+        <p:txBody>
+          <a:bodyPr rtlCol="0" anchor="ctr"/>
+          <a:lstStyle/>
+          <a:p>
+            <a:pPr algn="ctr"/>
+            <a:endParaRPr lang="en-US"/>
+          </a:p>
+        </p:txBody>
+      </p:sp>
+      <p:pic>
+        <p:nvPicPr>
+          <p:cNvPr id="6" name="Рисунок 5" descr="Изображение выглядит как внутренний&#10;&#10;Автоматически созданное описание">
+            <a:extLst>
+              <a:ext uri="{FF2B5EF4-FFF2-40B4-BE49-F238E27FC236}">
+                <a16:creationId xmlns:a16="http://schemas.microsoft.com/office/drawing/2014/main" id="{92E10F8B-E27D-C645-B276-30FC00C80F18}"/>
+              </a:ext>
+            </a:extLst>
+          </p:cNvPr>
+          <p:cNvPicPr>
+            <a:picLocks noChangeAspect="1"/>
+          </p:cNvPicPr>
+          <p:nvPr/>
+        </p:nvPicPr>
+        <p:blipFill rotWithShape="1">
+          <a:blip r:embed="rId2" cstate="print">
+            <a:extLst>
+              <a:ext uri="{28A0092B-C50C-407E-A947-70E740481C1C}">
+                <a14:useLocalDpi xmlns:a14="http://schemas.microsoft.com/office/drawing/2010/main" val="0"/>
+              </a:ext>
+            </a:extLst>
+          </a:blip>
+          <a:srcRect t="8247" b="7659"/>
+          <a:stretch/>
+        </p:blipFill>
+        <p:spPr bwMode="auto">
+          <a:xfrm>
+            <a:off x="6096010" y="10"/>
+            <a:ext cx="6095999" cy="6857990"/>
+          </a:xfrm>
+          <a:custGeom>
+            <a:avLst/>
+            <a:gdLst/>
+            <a:ahLst/>
+            <a:cxnLst/>
+            <a:rect l="l" t="t" r="r" b="b"/>
+            <a:pathLst>
+              <a:path w="6095999" h="6858000">
+                <a:moveTo>
+                  <a:pt x="0" y="0"/>
+                </a:moveTo>
+                <a:lnTo>
+                  <a:pt x="6095999" y="0"/>
+                </a:lnTo>
+                <a:lnTo>
+                  <a:pt x="6095999" y="6858000"/>
+                </a:lnTo>
+                <a:lnTo>
+                  <a:pt x="0" y="6858000"/>
+                </a:lnTo>
+                <a:lnTo>
+                  <a:pt x="0" y="6857999"/>
+                </a:lnTo>
+                <a:lnTo>
+                  <a:pt x="4220980" y="6857999"/>
+                </a:lnTo>
+                <a:lnTo>
+                  <a:pt x="4213164" y="6851010"/>
+                </a:lnTo>
+                <a:cubicBezTo>
+                  <a:pt x="4181666" y="6825777"/>
+                  <a:pt x="4066661" y="6744343"/>
+                  <a:pt x="4062999" y="6737842"/>
+                </a:cubicBezTo>
+                <a:cubicBezTo>
+                  <a:pt x="4024279" y="6693220"/>
+                  <a:pt x="4060463" y="6731339"/>
+                  <a:pt x="3994350" y="6686435"/>
+                </a:cubicBezTo>
+                <a:cubicBezTo>
+                  <a:pt x="3947033" y="6670674"/>
+                  <a:pt x="3899856" y="6566625"/>
+                  <a:pt x="3859426" y="6512643"/>
+                </a:cubicBezTo>
+                <a:cubicBezTo>
+                  <a:pt x="3843619" y="6494605"/>
+                  <a:pt x="3819111" y="6476220"/>
+                  <a:pt x="3795266" y="6469055"/>
+                </a:cubicBezTo>
+                <a:cubicBezTo>
+                  <a:pt x="3772240" y="6479507"/>
+                  <a:pt x="3769424" y="6446115"/>
+                  <a:pt x="3752228" y="6440526"/>
+                </a:cubicBezTo>
+                <a:cubicBezTo>
+                  <a:pt x="3742060" y="6447641"/>
+                  <a:pt x="3719048" y="6424775"/>
+                  <a:pt x="3716355" y="6414007"/>
+                </a:cubicBezTo>
+                <a:cubicBezTo>
+                  <a:pt x="3729286" y="6392352"/>
+                  <a:pt x="3629924" y="6387100"/>
+                  <a:pt x="3629916" y="6370687"/>
+                </a:cubicBezTo>
+                <a:cubicBezTo>
+                  <a:pt x="3600280" y="6362353"/>
+                  <a:pt x="3495200" y="6368444"/>
+                  <a:pt x="3479034" y="6339494"/>
+                </a:cubicBezTo>
+                <a:cubicBezTo>
+                  <a:pt x="3420435" y="6317314"/>
+                  <a:pt x="3345614" y="6290932"/>
+                  <a:pt x="3319627" y="6285893"/>
+                </a:cubicBezTo>
+                <a:cubicBezTo>
+                  <a:pt x="3282294" y="6327705"/>
+                  <a:pt x="3185936" y="6185255"/>
+                  <a:pt x="3075494" y="6164273"/>
+                </a:cubicBezTo>
+                <a:cubicBezTo>
+                  <a:pt x="3059427" y="6166243"/>
+                  <a:pt x="3051440" y="6164859"/>
+                  <a:pt x="3050019" y="6153683"/>
+                </a:cubicBezTo>
+                <a:cubicBezTo>
+                  <a:pt x="3016030" y="6146243"/>
+                  <a:pt x="2991340" y="6114870"/>
+                  <a:pt x="2963636" y="6123708"/>
+                </a:cubicBezTo>
+                <a:cubicBezTo>
+                  <a:pt x="2928425" y="6105855"/>
+                  <a:pt x="2947049" y="6092097"/>
+                  <a:pt x="2914912" y="6078439"/>
+                </a:cubicBezTo>
+                <a:lnTo>
+                  <a:pt x="2770812" y="6041758"/>
+                </a:lnTo>
+                <a:cubicBezTo>
+                  <a:pt x="2750466" y="6034724"/>
+                  <a:pt x="2729222" y="6014032"/>
+                  <a:pt x="2708585" y="6007728"/>
+                </a:cubicBezTo>
+                <a:lnTo>
+                  <a:pt x="2687072" y="6003931"/>
+                </a:lnTo>
+                <a:lnTo>
+                  <a:pt x="2674457" y="5991515"/>
+                </a:lnTo>
+                <a:cubicBezTo>
+                  <a:pt x="2668773" y="5988707"/>
+                  <a:pt x="2661696" y="5988167"/>
+                  <a:pt x="2652298" y="5991525"/>
+                </a:cubicBezTo>
+                <a:cubicBezTo>
+                  <a:pt x="2634345" y="5986939"/>
+                  <a:pt x="2583809" y="5969299"/>
+                  <a:pt x="2566743" y="5963996"/>
+                </a:cubicBezTo>
+                <a:lnTo>
+                  <a:pt x="2549903" y="5959709"/>
+                </a:lnTo>
+                <a:lnTo>
+                  <a:pt x="2542177" y="5951723"/>
+                </a:lnTo>
+                <a:cubicBezTo>
+                  <a:pt x="2529898" y="5945994"/>
+                  <a:pt x="2498812" y="5935402"/>
+                  <a:pt x="2476225" y="5925338"/>
+                </a:cubicBezTo>
+                <a:cubicBezTo>
+                  <a:pt x="2457810" y="5911056"/>
+                  <a:pt x="2433846" y="5899348"/>
+                  <a:pt x="2406656" y="5891344"/>
+                </a:cubicBezTo>
+                <a:cubicBezTo>
+                  <a:pt x="2400991" y="5896275"/>
+                  <a:pt x="2393612" y="5885783"/>
+                  <a:pt x="2389160" y="5883030"/>
+                </a:cubicBezTo>
+                <a:cubicBezTo>
+                  <a:pt x="2387458" y="5886701"/>
+                  <a:pt x="2375233" y="5885881"/>
+                  <a:pt x="2372540" y="5881920"/>
+                </a:cubicBezTo>
+                <a:cubicBezTo>
+                  <a:pt x="2293168" y="5849488"/>
+                  <a:pt x="2325743" y="5894734"/>
+                  <a:pt x="2283811" y="5862541"/>
+                </a:cubicBezTo>
+                <a:cubicBezTo>
+                  <a:pt x="2275730" y="5859531"/>
+                  <a:pt x="2268484" y="5859925"/>
+                  <a:pt x="2261759" y="5861764"/>
+                </a:cubicBezTo>
+                <a:lnTo>
+                  <a:pt x="2219265" y="5849327"/>
+                </a:lnTo>
+                <a:cubicBezTo>
+                  <a:pt x="2203078" y="5842651"/>
+                  <a:pt x="2185672" y="5837119"/>
+                  <a:pt x="2167456" y="5832891"/>
+                </a:cubicBezTo>
+                <a:cubicBezTo>
+                  <a:pt x="2161387" y="5839963"/>
+                  <a:pt x="2149583" y="5826532"/>
+                  <a:pt x="2143288" y="5823218"/>
+                </a:cubicBezTo>
+                <a:cubicBezTo>
+                  <a:pt x="2141966" y="5828274"/>
+                  <a:pt x="2126227" y="5828196"/>
+                  <a:pt x="2121889" y="5823116"/>
+                </a:cubicBezTo>
+                <a:cubicBezTo>
+                  <a:pt x="2013448" y="5786297"/>
+                  <a:pt x="2065303" y="5844161"/>
+                  <a:pt x="2004548" y="5804552"/>
+                </a:cubicBezTo>
+                <a:cubicBezTo>
+                  <a:pt x="1993575" y="5801194"/>
+                  <a:pt x="1984449" y="5802325"/>
+                  <a:pt x="1976317" y="5805346"/>
+                </a:cubicBezTo>
+                <a:lnTo>
+                  <a:pt x="1960968" y="5813703"/>
+                </a:lnTo>
+                <a:lnTo>
+                  <a:pt x="1951886" y="5808313"/>
+                </a:lnTo>
+                <a:cubicBezTo>
+                  <a:pt x="1914205" y="5801767"/>
+                  <a:pt x="1900427" y="5810657"/>
+                  <a:pt x="1881129" y="5796205"/>
+                </a:cubicBezTo>
+                <a:cubicBezTo>
+                  <a:pt x="1847467" y="5788576"/>
+                  <a:pt x="1808824" y="5783942"/>
+                  <a:pt x="1778393" y="5776687"/>
+                </a:cubicBezTo>
+                <a:cubicBezTo>
+                  <a:pt x="1764338" y="5756704"/>
+                  <a:pt x="1721542" y="5761928"/>
+                  <a:pt x="1698544" y="5752677"/>
+                </a:cubicBezTo>
+                <a:cubicBezTo>
+                  <a:pt x="1688689" y="5744367"/>
+                  <a:pt x="1680710" y="5741898"/>
+                  <a:pt x="1667763" y="5746936"/>
+                </a:cubicBezTo>
+                <a:cubicBezTo>
+                  <a:pt x="1622782" y="5706970"/>
+                  <a:pt x="1636232" y="5740258"/>
+                  <a:pt x="1589890" y="5720079"/>
+                </a:cubicBezTo>
+                <a:cubicBezTo>
+                  <a:pt x="1550522" y="5700408"/>
+                  <a:pt x="1504390" y="5684235"/>
+                  <a:pt x="1470745" y="5647268"/>
+                </a:cubicBezTo>
+                <a:cubicBezTo>
+                  <a:pt x="1465307" y="5637473"/>
+                  <a:pt x="1447590" y="5631171"/>
+                  <a:pt x="1431171" y="5633192"/>
+                </a:cubicBezTo>
+                <a:cubicBezTo>
+                  <a:pt x="1428344" y="5633540"/>
+                  <a:pt x="1425665" y="5634127"/>
+                  <a:pt x="1423215" y="5634934"/>
+                </a:cubicBezTo>
+                <a:cubicBezTo>
+                  <a:pt x="1404063" y="5609561"/>
+                  <a:pt x="1384477" y="5616951"/>
+                  <a:pt x="1377158" y="5600720"/>
+                </a:cubicBezTo>
+                <a:cubicBezTo>
+                  <a:pt x="1337416" y="5587406"/>
+                  <a:pt x="1299119" y="5594952"/>
+                  <a:pt x="1292001" y="5580595"/>
+                </a:cubicBezTo>
+                <a:cubicBezTo>
+                  <a:pt x="1270404" y="5577445"/>
+                  <a:pt x="1236263" y="5586393"/>
+                  <a:pt x="1224877" y="5570207"/>
+                </a:cubicBezTo>
+                <a:cubicBezTo>
+                  <a:pt x="1218892" y="5580643"/>
+                  <a:pt x="1203320" y="5557444"/>
+                  <a:pt x="1188481" y="5562311"/>
+                </a:cubicBezTo>
+                <a:cubicBezTo>
+                  <a:pt x="1177571" y="5566931"/>
+                  <a:pt x="1170302" y="5560971"/>
+                  <a:pt x="1160620" y="5558862"/>
+                </a:cubicBezTo>
+                <a:cubicBezTo>
+                  <a:pt x="1146504" y="5561577"/>
+                  <a:pt x="1106544" y="5545833"/>
+                  <a:pt x="1097113" y="5537725"/>
+                </a:cubicBezTo>
+                <a:cubicBezTo>
+                  <a:pt x="1076260" y="5511528"/>
+                  <a:pt x="1012618" y="5517876"/>
+                  <a:pt x="994944" y="5497522"/>
+                </a:cubicBezTo>
+                <a:cubicBezTo>
+                  <a:pt x="987638" y="5493756"/>
+                  <a:pt x="980141" y="5491480"/>
+                  <a:pt x="972567" y="5490138"/>
+                </a:cubicBezTo>
+                <a:lnTo>
+                  <a:pt x="927036" y="5488921"/>
+                </a:lnTo>
+                <a:lnTo>
+                  <a:pt x="905198" y="5488488"/>
+                </a:lnTo>
+                <a:cubicBezTo>
+                  <a:pt x="920127" y="5466532"/>
+                  <a:pt x="847550" y="5479119"/>
+                  <a:pt x="871473" y="5463326"/>
+                </a:cubicBezTo>
+                <a:cubicBezTo>
+                  <a:pt x="835241" y="5455796"/>
+                  <a:pt x="824844" y="5441869"/>
+                  <a:pt x="787335" y="5431076"/>
+                </a:cubicBezTo>
+                <a:lnTo>
+                  <a:pt x="646418" y="5398569"/>
+                </a:lnTo>
+                <a:cubicBezTo>
+                  <a:pt x="594533" y="5378172"/>
+                  <a:pt x="569175" y="5376706"/>
+                  <a:pt x="522316" y="5365133"/>
+                </a:cubicBezTo>
+                <a:cubicBezTo>
+                  <a:pt x="485699" y="5316148"/>
+                  <a:pt x="451396" y="5327743"/>
+                  <a:pt x="425051" y="5295085"/>
+                </a:cubicBezTo>
+                <a:cubicBezTo>
+                  <a:pt x="373115" y="5280721"/>
+                  <a:pt x="376598" y="5265782"/>
+                  <a:pt x="318461" y="5265657"/>
+                </a:cubicBezTo>
+                <a:lnTo>
+                  <a:pt x="266536" y="5232252"/>
+                </a:lnTo>
+                <a:cubicBezTo>
+                  <a:pt x="254867" y="5225616"/>
+                  <a:pt x="251642" y="5227516"/>
+                  <a:pt x="248444" y="5225838"/>
+                </a:cubicBezTo>
+                <a:lnTo>
+                  <a:pt x="247345" y="5222181"/>
+                </a:lnTo>
+                <a:lnTo>
+                  <a:pt x="237345" y="5217023"/>
+                </a:lnTo>
+                <a:lnTo>
+                  <a:pt x="219603" y="5204977"/>
+                </a:lnTo>
+                <a:lnTo>
+                  <a:pt x="214443" y="5204489"/>
+                </a:lnTo>
+                <a:lnTo>
+                  <a:pt x="184816" y="5189073"/>
+                </a:lnTo>
+                <a:lnTo>
+                  <a:pt x="183534" y="5189699"/>
+                </a:lnTo>
+                <a:cubicBezTo>
+                  <a:pt x="179981" y="5190754"/>
+                  <a:pt x="176085" y="5190869"/>
+                  <a:pt x="171363" y="5189023"/>
+                </a:cubicBezTo>
+                <a:cubicBezTo>
+                  <a:pt x="165797" y="5204157"/>
+                  <a:pt x="163531" y="5192594"/>
+                  <a:pt x="150096" y="5185813"/>
+                </a:cubicBezTo>
+                <a:lnTo>
+                  <a:pt x="59253" y="5172817"/>
+                </a:lnTo>
+                <a:lnTo>
+                  <a:pt x="52526" y="5170052"/>
+                </a:lnTo>
+                <a:lnTo>
+                  <a:pt x="52188" y="5170183"/>
+                </a:lnTo>
+                <a:cubicBezTo>
+                  <a:pt x="50293" y="5169980"/>
+                  <a:pt x="47917" y="5169219"/>
+                  <a:pt x="44687" y="5167637"/>
+                </a:cubicBezTo>
+                <a:lnTo>
+                  <a:pt x="40261" y="5165012"/>
+                </a:lnTo>
+                <a:lnTo>
+                  <a:pt x="27209" y="5159648"/>
+                </a:lnTo>
+                <a:lnTo>
+                  <a:pt x="21368" y="5159036"/>
+                </a:lnTo>
+                <a:lnTo>
+                  <a:pt x="0" y="5158850"/>
+                </a:lnTo>
+                <a:close/>
+              </a:path>
+            </a:pathLst>
+          </a:custGeom>
+          <a:noFill/>
+        </p:spPr>
       </p:pic>
       <p:sp>
         <p:nvSpPr>
-          <p:cNvPr id="6" name="TextBox 5">
-            <a:extLst>
-              <a:ext uri="{FF2B5EF4-FFF2-40B4-BE49-F238E27FC236}">
-                <a16:creationId xmlns:a16="http://schemas.microsoft.com/office/drawing/2014/main" id="{BA543780-D9A3-CE87-83EB-2CE7152FDE65}"/>
+          <p:cNvPr id="2" name="Заголовок 1">
+            <a:extLst>
+              <a:ext uri="{FF2B5EF4-FFF2-40B4-BE49-F238E27FC236}">
+                <a16:creationId xmlns:a16="http://schemas.microsoft.com/office/drawing/2014/main" id="{FBC7C74A-292C-4C24-7CD4-F8714435E58D}"/>
+              </a:ext>
+            </a:extLst>
+          </p:cNvPr>
+          <p:cNvSpPr>
+            <a:spLocks noGrp="1"/>
+          </p:cNvSpPr>
+          <p:nvPr>
+            <p:ph type="title"/>
+          </p:nvPr>
+        </p:nvSpPr>
+        <p:spPr>
+          <a:xfrm>
+            <a:off x="599818" y="5234320"/>
+            <a:ext cx="6931319" cy="752217"/>
+          </a:xfrm>
+        </p:spPr>
+        <p:txBody>
+          <a:bodyPr vert="horz" lIns="91440" tIns="45720" rIns="91440" bIns="45720" rtlCol="0" anchor="b">
+            <a:normAutofit/>
+          </a:bodyPr>
+          <a:lstStyle/>
+          <a:p>
+            <a:r>
+              <a:rPr lang="ru-RU" sz="3600" dirty="0">
+                <a:solidFill>
+                  <a:schemeClr val="tx1">
+                    <a:lumMod val="85000"/>
+                    <a:lumOff val="15000"/>
+                  </a:schemeClr>
+                </a:solidFill>
+              </a:rPr>
+              <a:t>Другие ревизии </a:t>
+            </a:r>
+            <a:r>
+              <a:rPr lang="en-US" sz="3600" dirty="0">
+                <a:solidFill>
+                  <a:schemeClr val="tx1">
+                    <a:lumMod val="85000"/>
+                    <a:lumOff val="15000"/>
+                  </a:schemeClr>
+                </a:solidFill>
+              </a:rPr>
+              <a:t>PPU</a:t>
+            </a:r>
+            <a:endParaRPr lang="en-US" sz="3600" kern="1200" dirty="0">
+              <a:solidFill>
+                <a:schemeClr val="tx1">
+                  <a:lumMod val="85000"/>
+                  <a:lumOff val="15000"/>
+                </a:schemeClr>
+              </a:solidFill>
+              <a:latin typeface="+mj-lt"/>
+              <a:ea typeface="+mj-ea"/>
+              <a:cs typeface="+mj-cs"/>
+            </a:endParaRPr>
+          </a:p>
+        </p:txBody>
+      </p:sp>
+      <p:pic>
+        <p:nvPicPr>
+          <p:cNvPr id="1026" name="Picture 2" descr="RP2C03 と RP2C04 | Electrelic">
+            <a:extLst>
+              <a:ext uri="{FF2B5EF4-FFF2-40B4-BE49-F238E27FC236}">
+                <a16:creationId xmlns:a16="http://schemas.microsoft.com/office/drawing/2014/main" id="{A8EFCF29-DBE0-1343-B21B-F46041AEC43C}"/>
+              </a:ext>
+            </a:extLst>
+          </p:cNvPr>
+          <p:cNvPicPr>
+            <a:picLocks noChangeAspect="1" noChangeArrowheads="1"/>
+          </p:cNvPicPr>
+          <p:nvPr/>
+        </p:nvPicPr>
+        <p:blipFill rotWithShape="1">
+          <a:blip r:embed="rId3">
+            <a:extLst>
+              <a:ext uri="{28A0092B-C50C-407E-A947-70E740481C1C}">
+                <a14:useLocalDpi xmlns:a14="http://schemas.microsoft.com/office/drawing/2010/main" val="0"/>
+              </a:ext>
+            </a:extLst>
+          </a:blip>
+          <a:srcRect l="5056" r="5249" b="-1"/>
+          <a:stretch/>
+        </p:blipFill>
+        <p:spPr bwMode="auto">
+          <a:xfrm>
+            <a:off x="-5388" y="10"/>
+            <a:ext cx="6169518" cy="5158840"/>
+          </a:xfrm>
+          <a:custGeom>
+            <a:avLst/>
+            <a:gdLst/>
+            <a:ahLst/>
+            <a:cxnLst/>
+            <a:rect l="l" t="t" r="r" b="b"/>
+            <a:pathLst>
+              <a:path w="6096000" h="5158850">
+                <a:moveTo>
+                  <a:pt x="0" y="0"/>
+                </a:moveTo>
+                <a:lnTo>
+                  <a:pt x="6096000" y="0"/>
+                </a:lnTo>
+                <a:lnTo>
+                  <a:pt x="6096000" y="5158850"/>
+                </a:lnTo>
+                <a:lnTo>
+                  <a:pt x="5957305" y="5157644"/>
+                </a:lnTo>
+                <a:cubicBezTo>
+                  <a:pt x="5920540" y="5151975"/>
+                  <a:pt x="5887096" y="5153588"/>
+                  <a:pt x="5857259" y="5143603"/>
+                </a:cubicBezTo>
+                <a:cubicBezTo>
+                  <a:pt x="5843335" y="5146861"/>
+                  <a:pt x="5830921" y="5147051"/>
+                  <a:pt x="5821375" y="5137142"/>
+                </a:cubicBezTo>
+                <a:cubicBezTo>
+                  <a:pt x="5786501" y="5134144"/>
+                  <a:pt x="5775399" y="5144200"/>
+                  <a:pt x="5755916" y="5131695"/>
+                </a:cubicBezTo>
+                <a:cubicBezTo>
+                  <a:pt x="5732132" y="5146996"/>
+                  <a:pt x="5732735" y="5139753"/>
+                  <a:pt x="5725007" y="5132964"/>
+                </a:cubicBezTo>
+                <a:lnTo>
+                  <a:pt x="5723810" y="5132374"/>
+                </a:lnTo>
+                <a:lnTo>
+                  <a:pt x="5720531" y="5134578"/>
+                </a:lnTo>
+                <a:lnTo>
+                  <a:pt x="5714795" y="5134902"/>
+                </a:lnTo>
+                <a:lnTo>
+                  <a:pt x="5700142" y="5131655"/>
+                </a:lnTo>
+                <a:lnTo>
+                  <a:pt x="5694799" y="5129754"/>
+                </a:lnTo>
+                <a:cubicBezTo>
+                  <a:pt x="5691058" y="5128696"/>
+                  <a:pt x="5688491" y="5128320"/>
+                  <a:pt x="5686627" y="5128420"/>
+                </a:cubicBezTo>
+                <a:lnTo>
+                  <a:pt x="5686371" y="5128603"/>
+                </a:lnTo>
+                <a:lnTo>
+                  <a:pt x="5678819" y="5126929"/>
+                </a:lnTo>
+                <a:cubicBezTo>
+                  <a:pt x="5666199" y="5123608"/>
+                  <a:pt x="5654035" y="5119908"/>
+                  <a:pt x="5642547" y="5116000"/>
+                </a:cubicBezTo>
+                <a:cubicBezTo>
+                  <a:pt x="5629445" y="5126457"/>
+                  <a:pt x="5588783" y="5104807"/>
+                  <a:pt x="5587979" y="5128480"/>
+                </a:cubicBezTo>
+                <a:cubicBezTo>
+                  <a:pt x="5572317" y="5123886"/>
+                  <a:pt x="5564904" y="5112774"/>
+                  <a:pt x="5566635" y="5128675"/>
+                </a:cubicBezTo>
+                <a:cubicBezTo>
+                  <a:pt x="5561375" y="5127594"/>
+                  <a:pt x="5557787" y="5128327"/>
+                  <a:pt x="5554953" y="5129937"/>
+                </a:cubicBezTo>
+                <a:lnTo>
+                  <a:pt x="5554039" y="5130763"/>
+                </a:lnTo>
+                <a:lnTo>
+                  <a:pt x="5514254" y="5120517"/>
+                </a:lnTo>
+                <a:lnTo>
+                  <a:pt x="5492156" y="5111382"/>
+                </a:lnTo>
+                <a:lnTo>
+                  <a:pt x="5480446" y="5107855"/>
+                </a:lnTo>
+                <a:lnTo>
+                  <a:pt x="5477744" y="5104402"/>
+                </a:lnTo>
+                <a:cubicBezTo>
+                  <a:pt x="5474490" y="5102038"/>
+                  <a:pt x="5469391" y="5100405"/>
+                  <a:pt x="5460150" y="5100442"/>
+                </a:cubicBezTo>
+                <a:lnTo>
+                  <a:pt x="5457901" y="5100914"/>
+                </a:lnTo>
+                <a:lnTo>
+                  <a:pt x="5444243" y="5094201"/>
+                </a:lnTo>
+                <a:cubicBezTo>
+                  <a:pt x="5439994" y="5091441"/>
+                  <a:pt x="5436419" y="5088231"/>
+                  <a:pt x="5433825" y="5084410"/>
+                </a:cubicBezTo>
+                <a:cubicBezTo>
+                  <a:pt x="5379443" y="5093528"/>
+                  <a:pt x="5336110" y="5069767"/>
+                  <a:pt x="5280996" y="5063773"/>
+                </a:cubicBezTo>
+                <a:cubicBezTo>
+                  <a:pt x="5250806" y="5055129"/>
+                  <a:pt x="5168599" y="5059471"/>
+                  <a:pt x="5161582" y="5030966"/>
+                </a:cubicBezTo>
+                <a:cubicBezTo>
+                  <a:pt x="5121870" y="5022662"/>
+                  <a:pt x="5095637" y="5020496"/>
+                  <a:pt x="5042717" y="5013952"/>
+                </a:cubicBezTo>
+                <a:cubicBezTo>
+                  <a:pt x="4991136" y="4983679"/>
+                  <a:pt x="4902283" y="4990567"/>
+                  <a:pt x="4840514" y="4970468"/>
+                </a:cubicBezTo>
+                <a:cubicBezTo>
+                  <a:pt x="4799904" y="4987615"/>
+                  <a:pt x="4824087" y="4969531"/>
+                  <a:pt x="4786778" y="4967817"/>
+                </a:cubicBezTo>
+                <a:cubicBezTo>
+                  <a:pt x="4801901" y="4948343"/>
+                  <a:pt x="4739845" y="4972374"/>
+                  <a:pt x="4743741" y="4948216"/>
+                </a:cubicBezTo>
+                <a:cubicBezTo>
+                  <a:pt x="4736829" y="4948670"/>
+                  <a:pt x="4730010" y="4949869"/>
+                  <a:pt x="4723136" y="4951257"/>
+                </a:cubicBezTo>
+                <a:lnTo>
+                  <a:pt x="4719535" y="4951970"/>
+                </a:lnTo>
+                <a:lnTo>
+                  <a:pt x="4706143" y="4950704"/>
+                </a:lnTo>
+                <a:lnTo>
+                  <a:pt x="4701098" y="4955500"/>
+                </a:lnTo>
+                <a:lnTo>
+                  <a:pt x="4680034" y="4957289"/>
+                </a:lnTo>
+                <a:cubicBezTo>
+                  <a:pt x="4672339" y="4957161"/>
+                  <a:pt x="4664292" y="4956094"/>
+                  <a:pt x="4655741" y="4953520"/>
+                </a:cubicBezTo>
+                <a:cubicBezTo>
+                  <a:pt x="4636359" y="4940479"/>
+                  <a:pt x="4599701" y="4946454"/>
+                  <a:pt x="4569298" y="4940691"/>
+                </a:cubicBezTo>
+                <a:lnTo>
+                  <a:pt x="4555978" y="4935439"/>
+                </a:lnTo>
+                <a:lnTo>
+                  <a:pt x="4508950" y="4932725"/>
+                </a:lnTo>
+                <a:cubicBezTo>
+                  <a:pt x="4495669" y="4931511"/>
+                  <a:pt x="4482007" y="4929765"/>
+                  <a:pt x="4467838" y="4927057"/>
+                </a:cubicBezTo>
+                <a:lnTo>
+                  <a:pt x="4441949" y="4920349"/>
+                </a:lnTo>
+                <a:lnTo>
+                  <a:pt x="4394719" y="4912853"/>
+                </a:lnTo>
+                <a:lnTo>
+                  <a:pt x="4356810" y="4916186"/>
+                </a:lnTo>
+                <a:lnTo>
+                  <a:pt x="4222145" y="4920166"/>
+                </a:lnTo>
+                <a:cubicBezTo>
+                  <a:pt x="4202488" y="4924963"/>
+                  <a:pt x="4184742" y="4944595"/>
+                  <a:pt x="4160481" y="4934555"/>
+                </a:cubicBezTo>
+                <a:cubicBezTo>
+                  <a:pt x="4165854" y="4945670"/>
+                  <a:pt x="4131661" y="4931019"/>
+                  <a:pt x="4124879" y="4940397"/>
+                </a:cubicBezTo>
+                <a:cubicBezTo>
+                  <a:pt x="4120895" y="4948198"/>
+                  <a:pt x="4109593" y="4945570"/>
+                  <a:pt x="4100114" y="4947117"/>
+                </a:cubicBezTo>
+                <a:cubicBezTo>
+                  <a:pt x="4091835" y="4954382"/>
+                  <a:pt x="4045978" y="4954676"/>
+                  <a:pt x="4030957" y="4950944"/>
+                </a:cubicBezTo>
+                <a:cubicBezTo>
+                  <a:pt x="3989825" y="4935537"/>
+                  <a:pt x="3946860" y="4963196"/>
+                  <a:pt x="3913764" y="4951738"/>
+                </a:cubicBezTo>
+                <a:cubicBezTo>
+                  <a:pt x="3904534" y="4951024"/>
+                  <a:pt x="3896577" y="4951663"/>
+                  <a:pt x="3889457" y="4953140"/>
+                </a:cubicBezTo>
+                <a:lnTo>
+                  <a:pt x="3871115" y="4959252"/>
+                </a:lnTo>
+                <a:lnTo>
+                  <a:pt x="3869086" y="4964946"/>
+                </a:lnTo>
+                <a:lnTo>
+                  <a:pt x="3856124" y="4966504"/>
+                </a:lnTo>
+                <a:lnTo>
+                  <a:pt x="3835967" y="4975175"/>
+                </a:lnTo>
+                <a:cubicBezTo>
+                  <a:pt x="3826465" y="4950975"/>
+                  <a:pt x="3782586" y="4987146"/>
+                  <a:pt x="3785910" y="4965148"/>
+                </a:cubicBezTo>
+                <a:cubicBezTo>
+                  <a:pt x="3750785" y="4971249"/>
+                  <a:pt x="3699033" y="4952693"/>
+                  <a:pt x="3671085" y="4977741"/>
+                </a:cubicBezTo>
+                <a:cubicBezTo>
+                  <a:pt x="3621255" y="4982620"/>
+                  <a:pt x="3562637" y="4994206"/>
+                  <a:pt x="3486928" y="4994420"/>
+                </a:cubicBezTo>
+                <a:cubicBezTo>
+                  <a:pt x="3446030" y="4994640"/>
+                  <a:pt x="3343460" y="4976299"/>
+                  <a:pt x="3280956" y="4975036"/>
+                </a:cubicBezTo>
+                <a:cubicBezTo>
+                  <a:pt x="3227193" y="4980695"/>
+                  <a:pt x="3256481" y="4973778"/>
+                  <a:pt x="3211563" y="4993919"/>
+                </a:cubicBezTo>
+                <a:cubicBezTo>
+                  <a:pt x="3207119" y="4990757"/>
+                  <a:pt x="3170070" y="4988394"/>
+                  <a:pt x="3164681" y="4986606"/>
+                </a:cubicBezTo>
+                <a:lnTo>
+                  <a:pt x="3127171" y="4979411"/>
+                </a:lnTo>
+                <a:lnTo>
+                  <a:pt x="3096889" y="4976795"/>
+                </a:lnTo>
+                <a:cubicBezTo>
+                  <a:pt x="3088441" y="4978753"/>
+                  <a:pt x="3082883" y="4978233"/>
+                  <a:pt x="3078620" y="4976620"/>
+                </a:cubicBezTo>
+                <a:lnTo>
+                  <a:pt x="3074275" y="4973840"/>
+                </a:lnTo>
+                <a:lnTo>
+                  <a:pt x="3036436" y="4968613"/>
+                </a:lnTo>
+                <a:lnTo>
+                  <a:pt x="3031995" y="4969990"/>
+                </a:lnTo>
+                <a:lnTo>
+                  <a:pt x="2994028" y="4967956"/>
+                </a:lnTo>
+                <a:cubicBezTo>
+                  <a:pt x="2992299" y="4970105"/>
+                  <a:pt x="2989407" y="4971561"/>
+                  <a:pt x="2984001" y="4971609"/>
+                </a:cubicBezTo>
+                <a:cubicBezTo>
+                  <a:pt x="2994191" y="4986644"/>
+                  <a:pt x="2981386" y="4977427"/>
+                  <a:pt x="2964542" y="4976237"/>
+                </a:cubicBezTo>
+                <a:cubicBezTo>
+                  <a:pt x="2976613" y="4999323"/>
+                  <a:pt x="2927627" y="4986817"/>
+                  <a:pt x="2921274" y="4999668"/>
+                </a:cubicBezTo>
+                <a:cubicBezTo>
+                  <a:pt x="2908629" y="4998274"/>
+                  <a:pt x="2895476" y="4997220"/>
+                  <a:pt x="2882111" y="4996632"/>
+                </a:cubicBezTo>
+                <a:lnTo>
+                  <a:pt x="2874282" y="4996582"/>
+                </a:lnTo>
+                <a:cubicBezTo>
+                  <a:pt x="2874237" y="4996658"/>
+                  <a:pt x="2874193" y="4996735"/>
+                  <a:pt x="2874147" y="4996812"/>
+                </a:cubicBezTo>
+                <a:cubicBezTo>
+                  <a:pt x="2872492" y="4997296"/>
+                  <a:pt x="2869935" y="4997466"/>
+                  <a:pt x="2865932" y="4997221"/>
+                </a:cubicBezTo>
+                <a:lnTo>
+                  <a:pt x="2860008" y="4996489"/>
+                </a:lnTo>
+                <a:lnTo>
+                  <a:pt x="2844819" y="4996392"/>
+                </a:lnTo>
+                <a:lnTo>
+                  <a:pt x="2839735" y="4997900"/>
+                </a:lnTo>
+                <a:lnTo>
+                  <a:pt x="2837922" y="5000718"/>
+                </a:lnTo>
+                <a:lnTo>
+                  <a:pt x="2836507" y="5000394"/>
+                </a:lnTo>
+                <a:cubicBezTo>
+                  <a:pt x="2825749" y="4995427"/>
+                  <a:pt x="2822382" y="4988291"/>
+                  <a:pt x="2808859" y="5008050"/>
+                </a:cubicBezTo>
+                <a:cubicBezTo>
+                  <a:pt x="2784233" y="4999995"/>
+                  <a:pt x="2779499" y="5012041"/>
+                  <a:pt x="2745907" y="5016391"/>
+                </a:cubicBezTo>
+                <a:cubicBezTo>
+                  <a:pt x="2731796" y="5008784"/>
+                  <a:pt x="2720518" y="5011549"/>
+                  <a:pt x="2709519" y="5017601"/>
+                </a:cubicBezTo>
+                <a:cubicBezTo>
+                  <a:pt x="2676766" y="5014138"/>
+                  <a:pt x="2646981" y="5022656"/>
+                  <a:pt x="2610212" y="5024813"/>
+                </a:cubicBezTo>
+                <a:cubicBezTo>
+                  <a:pt x="2570359" y="5014992"/>
+                  <a:pt x="2550109" y="5032793"/>
+                  <a:pt x="2510814" y="5035020"/>
+                </a:cubicBezTo>
+                <a:cubicBezTo>
+                  <a:pt x="2476639" y="5017991"/>
+                  <a:pt x="2482834" y="5049980"/>
+                  <a:pt x="2462736" y="5056754"/>
+                </a:cubicBezTo>
+                <a:lnTo>
+                  <a:pt x="2457050" y="5057379"/>
+                </a:lnTo>
+                <a:lnTo>
+                  <a:pt x="2442184" y="5054901"/>
+                </a:lnTo>
+                <a:lnTo>
+                  <a:pt x="2436703" y="5053277"/>
+                </a:lnTo>
+                <a:cubicBezTo>
+                  <a:pt x="2432888" y="5052418"/>
+                  <a:pt x="2430299" y="5052175"/>
+                  <a:pt x="2428451" y="5052373"/>
+                </a:cubicBezTo>
+                <a:lnTo>
+                  <a:pt x="2420551" y="5051292"/>
+                </a:lnTo>
+                <a:cubicBezTo>
+                  <a:pt x="2407700" y="5048633"/>
+                  <a:pt x="2395274" y="5045570"/>
+                  <a:pt x="2383501" y="5042264"/>
+                </a:cubicBezTo>
+                <a:cubicBezTo>
+                  <a:pt x="2362992" y="5043848"/>
+                  <a:pt x="2317884" y="5059023"/>
+                  <a:pt x="2297493" y="5060796"/>
+                </a:cubicBezTo>
+                <a:lnTo>
+                  <a:pt x="2261156" y="5052905"/>
+                </a:lnTo>
+                <a:lnTo>
+                  <a:pt x="2200581" y="5036274"/>
+                </a:lnTo>
+                <a:lnTo>
+                  <a:pt x="2198380" y="5036861"/>
+                </a:lnTo>
+                <a:lnTo>
+                  <a:pt x="2116066" y="5030866"/>
+                </a:lnTo>
+                <a:cubicBezTo>
+                  <a:pt x="2111600" y="5028328"/>
+                  <a:pt x="2059664" y="5017338"/>
+                  <a:pt x="2056754" y="5013653"/>
+                </a:cubicBezTo>
+                <a:cubicBezTo>
+                  <a:pt x="2003393" y="5025622"/>
+                  <a:pt x="1998298" y="5020073"/>
+                  <a:pt x="1942916" y="5016969"/>
+                </a:cubicBezTo>
+                <a:cubicBezTo>
+                  <a:pt x="1882138" y="5005950"/>
+                  <a:pt x="1836966" y="4987831"/>
+                  <a:pt x="1796717" y="4981610"/>
+                </a:cubicBezTo>
+                <a:cubicBezTo>
+                  <a:pt x="1724075" y="4970499"/>
+                  <a:pt x="1636218" y="4947449"/>
+                  <a:pt x="1583222" y="4942334"/>
+                </a:cubicBezTo>
+                <a:cubicBezTo>
+                  <a:pt x="1544265" y="4961611"/>
+                  <a:pt x="1556109" y="4938719"/>
+                  <a:pt x="1518821" y="4938963"/>
+                </a:cubicBezTo>
+                <a:cubicBezTo>
+                  <a:pt x="1497291" y="4936197"/>
+                  <a:pt x="1483221" y="4927794"/>
+                  <a:pt x="1471837" y="4925740"/>
+                </a:cubicBezTo>
+                <a:lnTo>
+                  <a:pt x="1450515" y="4926642"/>
+                </a:lnTo>
+                <a:lnTo>
+                  <a:pt x="1437078" y="4926078"/>
+                </a:lnTo>
+                <a:lnTo>
+                  <a:pt x="1432462" y="4931139"/>
+                </a:lnTo>
+                <a:lnTo>
+                  <a:pt x="1411645" y="4934032"/>
+                </a:lnTo>
+                <a:cubicBezTo>
+                  <a:pt x="1384856" y="4931153"/>
+                  <a:pt x="1306656" y="4918434"/>
+                  <a:pt x="1271729" y="4913863"/>
+                </a:cubicBezTo>
+                <a:cubicBezTo>
+                  <a:pt x="1258697" y="4907976"/>
+                  <a:pt x="1213546" y="4901042"/>
+                  <a:pt x="1202076" y="4906608"/>
+                </a:cubicBezTo>
+                <a:cubicBezTo>
+                  <a:pt x="1192059" y="4906580"/>
+                  <a:pt x="1182171" y="4902320"/>
+                  <a:pt x="1174670" y="4909064"/>
+                </a:cubicBezTo>
+                <a:cubicBezTo>
+                  <a:pt x="1163701" y="4916862"/>
+                  <a:pt x="1136874" y="4897641"/>
+                  <a:pt x="1137035" y="4908989"/>
+                </a:cubicBezTo>
+                <a:cubicBezTo>
+                  <a:pt x="1117838" y="4895687"/>
+                  <a:pt x="1091386" y="4911450"/>
+                  <a:pt x="1069882" y="4912892"/>
+                </a:cubicBezTo>
+                <a:cubicBezTo>
+                  <a:pt x="1055589" y="4900472"/>
+                  <a:pt x="1024570" y="4915744"/>
+                  <a:pt x="980935" y="4911119"/>
+                </a:cubicBezTo>
+                <a:cubicBezTo>
+                  <a:pt x="947614" y="4906556"/>
+                  <a:pt x="913224" y="4897403"/>
+                  <a:pt x="869960" y="4885518"/>
+                </a:cubicBezTo>
+                <a:cubicBezTo>
+                  <a:pt x="819114" y="4856727"/>
+                  <a:pt x="768074" y="4850663"/>
+                  <a:pt x="721345" y="4839806"/>
+                </a:cubicBezTo>
+                <a:cubicBezTo>
+                  <a:pt x="667944" y="4829906"/>
+                  <a:pt x="698286" y="4859338"/>
+                  <a:pt x="635428" y="4830000"/>
+                </a:cubicBezTo>
+                <a:cubicBezTo>
+                  <a:pt x="626286" y="4837571"/>
+                  <a:pt x="617638" y="4836842"/>
+                  <a:pt x="604106" y="4830842"/>
+                </a:cubicBezTo>
+                <a:cubicBezTo>
+                  <a:pt x="583276" y="4833091"/>
+                  <a:pt x="539859" y="4845979"/>
+                  <a:pt x="510451" y="4843485"/>
+                </a:cubicBezTo>
+                <a:cubicBezTo>
+                  <a:pt x="489781" y="4840800"/>
+                  <a:pt x="443867" y="4818678"/>
+                  <a:pt x="427656" y="4815877"/>
+                </a:cubicBezTo>
+                <a:cubicBezTo>
+                  <a:pt x="424088" y="4817297"/>
+                  <a:pt x="419580" y="4820561"/>
+                  <a:pt x="413184" y="4826676"/>
+                </a:cubicBezTo>
+                <a:cubicBezTo>
+                  <a:pt x="387673" y="4816699"/>
+                  <a:pt x="379855" y="4828170"/>
+                  <a:pt x="341772" y="4829671"/>
+                </a:cubicBezTo>
+                <a:cubicBezTo>
+                  <a:pt x="327795" y="4821005"/>
+                  <a:pt x="314729" y="4822794"/>
+                  <a:pt x="301266" y="4827842"/>
+                </a:cubicBezTo>
+                <a:cubicBezTo>
+                  <a:pt x="265781" y="4821714"/>
+                  <a:pt x="231017" y="4827635"/>
+                  <a:pt x="189886" y="4826710"/>
+                </a:cubicBezTo>
+                <a:cubicBezTo>
+                  <a:pt x="147910" y="4813727"/>
+                  <a:pt x="121702" y="4829584"/>
+                  <a:pt x="77762" y="4828518"/>
+                </a:cubicBezTo>
+                <a:cubicBezTo>
+                  <a:pt x="38733" y="4806108"/>
+                  <a:pt x="44308" y="4851138"/>
+                  <a:pt x="8164" y="4846203"/>
+                </a:cubicBezTo>
+                <a:lnTo>
+                  <a:pt x="0" y="4843648"/>
+                </a:lnTo>
+                <a:lnTo>
+                  <a:pt x="0" y="4080681"/>
+                </a:lnTo>
+                <a:close/>
+              </a:path>
+            </a:pathLst>
+          </a:custGeom>
+          <a:noFill/>
+          <a:extLst>
+            <a:ext uri="{909E8E84-426E-40DD-AFC4-6F175D3DCCD1}">
+              <a14:hiddenFill xmlns:a14="http://schemas.microsoft.com/office/drawing/2010/main">
+                <a:solidFill>
+                  <a:srgbClr val="FFFFFF"/>
+                </a:solidFill>
+              </a14:hiddenFill>
+            </a:ext>
+          </a:extLst>
+        </p:spPr>
+      </p:pic>
+      <p:sp>
+        <p:nvSpPr>
+          <p:cNvPr id="5" name="TextBox 4">
+            <a:extLst>
+              <a:ext uri="{FF2B5EF4-FFF2-40B4-BE49-F238E27FC236}">
+                <a16:creationId xmlns:a16="http://schemas.microsoft.com/office/drawing/2014/main" id="{8002E9AA-5702-326A-F023-1FD14607E1B3}"/>
               </a:ext>
             </a:extLst>
           </p:cNvPr>
@@ -5228,8 +7112,8 @@
         </p:nvSpPr>
         <p:spPr>
           <a:xfrm>
-            <a:off x="7159070" y="6177413"/>
-            <a:ext cx="3386295" cy="369332"/>
+            <a:off x="600965" y="6062007"/>
+            <a:ext cx="5495026" cy="369332"/>
           </a:xfrm>
           <a:prstGeom prst="rect">
             <a:avLst/>
@@ -5244,11 +7128,11 @@
           <a:p>
             <a:r>
               <a:rPr lang="ru-RU" dirty="0"/>
-              <a:t>(*) только для композитных </a:t>
+              <a:t>Ещё не готово, но мы работаем над этим</a:t>
             </a:r>
             <a:r>
               <a:rPr lang="en-US" dirty="0"/>
-              <a:t>PPU</a:t>
+              <a:t> ;)</a:t>
             </a:r>
             <a:endParaRPr lang="ru-RU" dirty="0"/>
           </a:p>
@@ -5257,17 +7141,109 @@
     </p:spTree>
     <p:extLst>
       <p:ext uri="{BB962C8B-B14F-4D97-AF65-F5344CB8AC3E}">
-        <p14:creationId xmlns:p14="http://schemas.microsoft.com/office/powerpoint/2010/main" val="1900923571"/>
+        <p14:creationId xmlns:p14="http://schemas.microsoft.com/office/powerpoint/2010/main" val="3566248595"/>
       </p:ext>
     </p:extLst>
   </p:cSld>
   <p:clrMapOvr>
     <a:masterClrMapping/>
   </p:clrMapOvr>
+  <p:timing>
+    <p:tnLst>
+      <p:par>
+        <p:cTn id="1" dur="indefinite" restart="never" nodeType="tmRoot">
+          <p:childTnLst>
+            <p:seq concurrent="1" nextAc="seek">
+              <p:cTn id="2" dur="indefinite" nodeType="mainSeq">
+                <p:childTnLst>
+                  <p:par>
+                    <p:cTn id="3" fill="hold">
+                      <p:stCondLst>
+                        <p:cond delay="indefinite"/>
+                        <p:cond evt="onBegin" delay="0">
+                          <p:tn val="2"/>
+                        </p:cond>
+                      </p:stCondLst>
+                      <p:childTnLst>
+                        <p:par>
+                          <p:cTn id="4" fill="hold">
+                            <p:stCondLst>
+                              <p:cond delay="0"/>
+                            </p:stCondLst>
+                            <p:childTnLst>
+                              <p:par>
+                                <p:cTn id="5" presetID="10" presetClass="entr" presetSubtype="0" fill="hold" grpId="0" nodeType="withEffect">
+                                  <p:stCondLst>
+                                    <p:cond delay="1000"/>
+                                  </p:stCondLst>
+                                  <p:iterate type="lt">
+                                    <p:tmPct val="10000"/>
+                                  </p:iterate>
+                                  <p:childTnLst>
+                                    <p:set>
+                                      <p:cBhvr>
+                                        <p:cTn id="6" dur="1" fill="hold">
+                                          <p:stCondLst>
+                                            <p:cond delay="0"/>
+                                          </p:stCondLst>
+                                        </p:cTn>
+                                        <p:tgtEl>
+                                          <p:spTgt spid="2"/>
+                                        </p:tgtEl>
+                                        <p:attrNameLst>
+                                          <p:attrName>style.visibility</p:attrName>
+                                        </p:attrNameLst>
+                                      </p:cBhvr>
+                                      <p:to>
+                                        <p:strVal val="visible"/>
+                                      </p:to>
+                                    </p:set>
+                                    <p:animEffect transition="in" filter="fade">
+                                      <p:cBhvr>
+                                        <p:cTn id="7" dur="400"/>
+                                        <p:tgtEl>
+                                          <p:spTgt spid="2"/>
+                                        </p:tgtEl>
+                                      </p:cBhvr>
+                                    </p:animEffect>
+                                  </p:childTnLst>
+                                </p:cTn>
+                              </p:par>
+                            </p:childTnLst>
+                          </p:cTn>
+                        </p:par>
+                      </p:childTnLst>
+                    </p:cTn>
+                  </p:par>
+                </p:childTnLst>
+              </p:cTn>
+              <p:prevCondLst>
+                <p:cond evt="onPrev" delay="0">
+                  <p:tgtEl>
+                    <p:sldTgt/>
+                  </p:tgtEl>
+                </p:cond>
+              </p:prevCondLst>
+              <p:nextCondLst>
+                <p:cond evt="onNext" delay="0">
+                  <p:tgtEl>
+                    <p:sldTgt/>
+                  </p:tgtEl>
+                </p:cond>
+              </p:nextCondLst>
+            </p:seq>
+          </p:childTnLst>
+        </p:cTn>
+      </p:par>
+    </p:tnLst>
+    <p:bldLst>
+      <p:bldP spid="2" grpId="0"/>
+    </p:bldLst>
+  </p:timing>
 </p:sld>
 </file>
 
-<file path=ppt/slides/slide15.xml><?xml version="1.0" encoding="utf-8"?>
+<file path=ppt/slides/slide18.xml><?xml version="1.0" encoding="utf-8"?>
 <p:sld xmlns:a="http://schemas.openxmlformats.org/drawingml/2006/main" xmlns:r="http://schemas.openxmlformats.org/officeDocument/2006/relationships" xmlns:p="http://schemas.openxmlformats.org/presentationml/2006/main">
   <p:cSld>
     <p:spTree>
@@ -6632,12 +8608,20 @@
           <a:lstStyle/>
           <a:p>
             <a:r>
-              <a:rPr lang="ru-RU"/>
-              <a:t>Образ </a:t>
-            </a:r>
-            <a:r>
-              <a:rPr lang="en-US"/>
-              <a:t>.nes ROM</a:t>
+              <a:rPr lang="ru-RU" dirty="0"/>
+              <a:t>Образы </a:t>
+            </a:r>
+            <a:r>
+              <a:rPr lang="en-US" dirty="0"/>
+              <a:t>.</a:t>
+            </a:r>
+            <a:r>
+              <a:rPr lang="en-US" dirty="0" err="1"/>
+              <a:t>nes</a:t>
+            </a:r>
+            <a:r>
+              <a:rPr lang="en-US" dirty="0"/>
+              <a:t> ROM</a:t>
             </a:r>
             <a:endParaRPr lang="ru-RU" dirty="0"/>
           </a:p>
@@ -7215,9 +9199,18 @@
           <a:lstStyle/>
           <a:p>
             <a:r>
+              <a:rPr lang="ru-RU" dirty="0"/>
+              <a:t>Жми «</a:t>
+            </a:r>
+            <a:r>
               <a:rPr lang="en-US" dirty="0"/>
-              <a:t>Free Flight</a:t>
-            </a:r>
+              <a:t>Run PPU</a:t>
+            </a:r>
+            <a:r>
+              <a:rPr lang="ru-RU" dirty="0"/>
+              <a:t>» и радуйся</a:t>
+            </a:r>
+            <a:endParaRPr lang="en-US" dirty="0"/>
           </a:p>
           <a:p>
             <a:r>
